--- a/Book/Facial Key-points Detection.pptx
+++ b/Book/Facial Key-points Detection.pptx
@@ -11,14 +11,19 @@
     <p:sldId id="260" r:id="rId5"/>
     <p:sldId id="261" r:id="rId6"/>
     <p:sldId id="268" r:id="rId7"/>
-    <p:sldId id="262" r:id="rId8"/>
-    <p:sldId id="263" r:id="rId9"/>
-    <p:sldId id="264" r:id="rId10"/>
-    <p:sldId id="265" r:id="rId11"/>
-    <p:sldId id="266" r:id="rId12"/>
-    <p:sldId id="267" r:id="rId13"/>
-    <p:sldId id="269" r:id="rId14"/>
-    <p:sldId id="257" r:id="rId15"/>
+    <p:sldId id="273" r:id="rId8"/>
+    <p:sldId id="274" r:id="rId9"/>
+    <p:sldId id="262" r:id="rId10"/>
+    <p:sldId id="263" r:id="rId11"/>
+    <p:sldId id="264" r:id="rId12"/>
+    <p:sldId id="265" r:id="rId13"/>
+    <p:sldId id="266" r:id="rId14"/>
+    <p:sldId id="267" r:id="rId15"/>
+    <p:sldId id="271" r:id="rId16"/>
+    <p:sldId id="272" r:id="rId17"/>
+    <p:sldId id="269" r:id="rId18"/>
+    <p:sldId id="270" r:id="rId19"/>
+    <p:sldId id="257" r:id="rId20"/>
   </p:sldIdLst>
   <p:sldSz cx="12192000" cy="6858000"/>
   <p:notesSz cx="6858000" cy="9144000"/>
@@ -256,7 +261,7 @@
           <a:p>
             <a:fld id="{AFB43097-3C76-4A29-8348-AE08A1AA276C}" type="datetimeFigureOut">
               <a:rPr lang="en-US" smtClean="0"/>
-              <a:t>20-Apr-19</a:t>
+              <a:t>05-May-19</a:t>
             </a:fld>
             <a:endParaRPr lang="en-US"/>
           </a:p>
@@ -426,7 +431,7 @@
           <a:p>
             <a:fld id="{AFB43097-3C76-4A29-8348-AE08A1AA276C}" type="datetimeFigureOut">
               <a:rPr lang="en-US" smtClean="0"/>
-              <a:t>20-Apr-19</a:t>
+              <a:t>05-May-19</a:t>
             </a:fld>
             <a:endParaRPr lang="en-US"/>
           </a:p>
@@ -606,7 +611,7 @@
           <a:p>
             <a:fld id="{AFB43097-3C76-4A29-8348-AE08A1AA276C}" type="datetimeFigureOut">
               <a:rPr lang="en-US" smtClean="0"/>
-              <a:t>20-Apr-19</a:t>
+              <a:t>05-May-19</a:t>
             </a:fld>
             <a:endParaRPr lang="en-US"/>
           </a:p>
@@ -776,7 +781,7 @@
           <a:p>
             <a:fld id="{AFB43097-3C76-4A29-8348-AE08A1AA276C}" type="datetimeFigureOut">
               <a:rPr lang="en-US" smtClean="0"/>
-              <a:t>20-Apr-19</a:t>
+              <a:t>05-May-19</a:t>
             </a:fld>
             <a:endParaRPr lang="en-US"/>
           </a:p>
@@ -1022,7 +1027,7 @@
           <a:p>
             <a:fld id="{AFB43097-3C76-4A29-8348-AE08A1AA276C}" type="datetimeFigureOut">
               <a:rPr lang="en-US" smtClean="0"/>
-              <a:t>20-Apr-19</a:t>
+              <a:t>05-May-19</a:t>
             </a:fld>
             <a:endParaRPr lang="en-US"/>
           </a:p>
@@ -1254,7 +1259,7 @@
           <a:p>
             <a:fld id="{AFB43097-3C76-4A29-8348-AE08A1AA276C}" type="datetimeFigureOut">
               <a:rPr lang="en-US" smtClean="0"/>
-              <a:t>20-Apr-19</a:t>
+              <a:t>05-May-19</a:t>
             </a:fld>
             <a:endParaRPr lang="en-US"/>
           </a:p>
@@ -1621,7 +1626,7 @@
           <a:p>
             <a:fld id="{AFB43097-3C76-4A29-8348-AE08A1AA276C}" type="datetimeFigureOut">
               <a:rPr lang="en-US" smtClean="0"/>
-              <a:t>20-Apr-19</a:t>
+              <a:t>05-May-19</a:t>
             </a:fld>
             <a:endParaRPr lang="en-US"/>
           </a:p>
@@ -1739,7 +1744,7 @@
           <a:p>
             <a:fld id="{AFB43097-3C76-4A29-8348-AE08A1AA276C}" type="datetimeFigureOut">
               <a:rPr lang="en-US" smtClean="0"/>
-              <a:t>20-Apr-19</a:t>
+              <a:t>05-May-19</a:t>
             </a:fld>
             <a:endParaRPr lang="en-US"/>
           </a:p>
@@ -1834,7 +1839,7 @@
           <a:p>
             <a:fld id="{AFB43097-3C76-4A29-8348-AE08A1AA276C}" type="datetimeFigureOut">
               <a:rPr lang="en-US" smtClean="0"/>
-              <a:t>20-Apr-19</a:t>
+              <a:t>05-May-19</a:t>
             </a:fld>
             <a:endParaRPr lang="en-US"/>
           </a:p>
@@ -2111,7 +2116,7 @@
           <a:p>
             <a:fld id="{AFB43097-3C76-4A29-8348-AE08A1AA276C}" type="datetimeFigureOut">
               <a:rPr lang="en-US" smtClean="0"/>
-              <a:t>20-Apr-19</a:t>
+              <a:t>05-May-19</a:t>
             </a:fld>
             <a:endParaRPr lang="en-US"/>
           </a:p>
@@ -2364,7 +2369,7 @@
           <a:p>
             <a:fld id="{AFB43097-3C76-4A29-8348-AE08A1AA276C}" type="datetimeFigureOut">
               <a:rPr lang="en-US" smtClean="0"/>
-              <a:t>20-Apr-19</a:t>
+              <a:t>05-May-19</a:t>
             </a:fld>
             <a:endParaRPr lang="en-US"/>
           </a:p>
@@ -2577,7 +2582,7 @@
           <a:p>
             <a:fld id="{AFB43097-3C76-4A29-8348-AE08A1AA276C}" type="datetimeFigureOut">
               <a:rPr lang="en-US" smtClean="0"/>
-              <a:t>20-Apr-19</a:t>
+              <a:t>05-May-19</a:t>
             </a:fld>
             <a:endParaRPr lang="en-US"/>
           </a:p>
@@ -2994,12 +2999,22 @@
         </p:nvSpPr>
         <p:spPr/>
         <p:txBody>
-          <a:bodyPr/>
-          <a:lstStyle/>
-          <a:p>
-            <a:r>
-              <a:rPr lang="en-US" dirty="0" smtClean="0"/>
-              <a:t>Facial Key-points Detection</a:t>
+          <a:bodyPr>
+            <a:normAutofit fontScale="90000"/>
+          </a:bodyPr>
+          <a:lstStyle/>
+          <a:p>
+            <a:r>
+              <a:rPr lang="en-US" dirty="0" smtClean="0"/>
+              <a:t>Study and Implementation on </a:t>
+            </a:r>
+            <a:r>
+              <a:rPr lang="en-US" dirty="0" smtClean="0"/>
+              <a:t>Facial Key Points </a:t>
+            </a:r>
+            <a:r>
+              <a:rPr lang="en-US" dirty="0" smtClean="0"/>
+              <a:t>Detection</a:t>
             </a:r>
             <a:endParaRPr lang="en-US" dirty="0"/>
           </a:p>
@@ -3088,69 +3103,35 @@
           <a:lstStyle/>
           <a:p>
             <a:r>
+              <a:rPr lang="en-US" dirty="0" smtClean="0"/>
+              <a:t>Deep </a:t>
+            </a:r>
+            <a:r>
+              <a:rPr lang="en-US" dirty="0" smtClean="0"/>
+              <a:t>Learning</a:t>
+            </a:r>
+            <a:endParaRPr lang="en-US" dirty="0"/>
+          </a:p>
+        </p:txBody>
+      </p:sp>
+      <p:sp>
+        <p:nvSpPr>
+          <p:cNvPr id="3" name="Content Placeholder 2"/>
+          <p:cNvSpPr>
+            <a:spLocks noGrp="1"/>
+          </p:cNvSpPr>
+          <p:nvPr>
+            <p:ph idx="1"/>
+          </p:nvPr>
+        </p:nvSpPr>
+        <p:spPr/>
+        <p:txBody>
+          <a:bodyPr/>
+          <a:lstStyle/>
+          <a:p>
+            <a:r>
               <a:rPr lang="en-US" dirty="0"/>
-              <a:t>Proposed ML based facial </a:t>
-            </a:r>
-            <a:r>
-              <a:rPr lang="en-US" dirty="0" smtClean="0"/>
-              <a:t>key-points </a:t>
-            </a:r>
-            <a:r>
-              <a:rPr lang="en-US" dirty="0"/>
-              <a:t>detection system</a:t>
-            </a:r>
-          </a:p>
-        </p:txBody>
-      </p:sp>
-      <p:sp>
-        <p:nvSpPr>
-          <p:cNvPr id="3" name="Content Placeholder 2"/>
-          <p:cNvSpPr>
-            <a:spLocks noGrp="1"/>
-          </p:cNvSpPr>
-          <p:nvPr>
-            <p:ph idx="1"/>
-          </p:nvPr>
-        </p:nvSpPr>
-        <p:spPr/>
-        <p:txBody>
-          <a:bodyPr/>
-          <a:lstStyle/>
-          <a:p>
-            <a:r>
-              <a:rPr lang="en-US" dirty="0"/>
-              <a:t>In this proposed system, the combined knowledge of computer vision techniques and deep learning architectures will be applied to build a facial key points detection system</a:t>
-            </a:r>
-            <a:r>
-              <a:rPr lang="en-US" dirty="0" smtClean="0"/>
-              <a:t>.</a:t>
-            </a:r>
-          </a:p>
-          <a:p>
-            <a:r>
-              <a:rPr lang="en-US" dirty="0" smtClean="0"/>
-              <a:t>Facial </a:t>
-            </a:r>
-            <a:r>
-              <a:rPr lang="en-US" dirty="0"/>
-              <a:t>key points include points around the eyes, nose, and mouth on a face and are used in many applications. </a:t>
-            </a:r>
-            <a:endParaRPr lang="en-US" dirty="0" smtClean="0"/>
-          </a:p>
-          <a:p>
-            <a:r>
-              <a:rPr lang="en-US" dirty="0" smtClean="0"/>
-              <a:t>The </a:t>
-            </a:r>
-            <a:r>
-              <a:rPr lang="en-US" dirty="0"/>
-              <a:t>final system should be able to look at any image, detect faces, and predict the locations of facial key points on each face.</a:t>
-            </a:r>
-          </a:p>
-          <a:p>
-            <a:r>
-              <a:rPr lang="en-US" dirty="0"/>
-              <a:t>This system has several applications including facial tracking, facial pose recognition, facial filters, and emotion recognition.</a:t>
+              <a:t>Deep learning is a subset of machine learning in Artificial Intelligence (AI) that has networks capable of learning unsupervised from data that is unstructured or unlabeled. Also known as Deep Neural Learning or Deep Neural Network.</a:t>
             </a:r>
           </a:p>
         </p:txBody>
@@ -3158,7 +3139,7 @@
     </p:spTree>
     <p:extLst>
       <p:ext uri="{BB962C8B-B14F-4D97-AF65-F5344CB8AC3E}">
-        <p14:creationId xmlns:p14="http://schemas.microsoft.com/office/powerpoint/2010/main" val="729312306"/>
+        <p14:creationId xmlns:p14="http://schemas.microsoft.com/office/powerpoint/2010/main" val="2796826813"/>
       </p:ext>
     </p:extLst>
   </p:cSld>
@@ -3202,48 +3183,53 @@
           <a:p>
             <a:r>
               <a:rPr lang="en-US" dirty="0" smtClean="0"/>
-              <a:t>Workflow Diagram</a:t>
+              <a:t>Convolutional </a:t>
+            </a:r>
+            <a:r>
+              <a:rPr lang="en-US" smtClean="0"/>
+              <a:t>Neural Network</a:t>
             </a:r>
             <a:endParaRPr lang="en-US" dirty="0"/>
           </a:p>
         </p:txBody>
       </p:sp>
-      <p:pic>
-        <p:nvPicPr>
-          <p:cNvPr id="4" name="Content Placeholder 3"/>
-          <p:cNvPicPr>
-            <a:picLocks noGrp="1"/>
-          </p:cNvPicPr>
+      <p:sp>
+        <p:nvSpPr>
+          <p:cNvPr id="3" name="Content Placeholder 2"/>
+          <p:cNvSpPr>
+            <a:spLocks noGrp="1"/>
+          </p:cNvSpPr>
           <p:nvPr>
             <p:ph idx="1"/>
           </p:nvPr>
-        </p:nvPicPr>
-        <p:blipFill>
-          <a:blip r:embed="rId2">
-            <a:extLst>
-              <a:ext uri="{28A0092B-C50C-407E-A947-70E740481C1C}">
-                <a14:useLocalDpi xmlns:a14="http://schemas.microsoft.com/office/drawing/2010/main" val="0"/>
-              </a:ext>
-            </a:extLst>
-          </a:blip>
-          <a:stretch>
-            <a:fillRect/>
-          </a:stretch>
-        </p:blipFill>
-        <p:spPr>
-          <a:xfrm>
-            <a:off x="2771775" y="2458244"/>
-            <a:ext cx="6648450" cy="3086100"/>
-          </a:xfrm>
-          <a:prstGeom prst="rect">
-            <a:avLst/>
-          </a:prstGeom>
-        </p:spPr>
-      </p:pic>
+        </p:nvSpPr>
+        <p:spPr/>
+        <p:txBody>
+          <a:bodyPr/>
+          <a:lstStyle/>
+          <a:p>
+            <a:r>
+              <a:rPr lang="en-US" dirty="0"/>
+              <a:t>A convolutional neural network (CNN) is a type of artificial neural network used in image recognition and processing that is specifically designed to process pixel data.</a:t>
+            </a:r>
+          </a:p>
+          <a:p>
+            <a:r>
+              <a:rPr lang="en-US" dirty="0"/>
+              <a:t>CNNs are powerful image processing, artificial intelligence (AI) that use deep learning to perform both generative and descriptive tasks, often using computer vision that includes image and video </a:t>
+            </a:r>
+            <a:r>
+              <a:rPr lang="en-US" dirty="0" smtClean="0"/>
+              <a:t>recognition.</a:t>
+            </a:r>
+            <a:endParaRPr lang="en-US" dirty="0"/>
+          </a:p>
+        </p:txBody>
+      </p:sp>
     </p:spTree>
     <p:extLst>
       <p:ext uri="{BB962C8B-B14F-4D97-AF65-F5344CB8AC3E}">
-        <p14:creationId xmlns:p14="http://schemas.microsoft.com/office/powerpoint/2010/main" val="3568761768"/>
+        <p14:creationId xmlns:p14="http://schemas.microsoft.com/office/powerpoint/2010/main" val="2354700059"/>
       </p:ext>
     </p:extLst>
   </p:cSld>
@@ -3286,49 +3272,82 @@
           <a:lstStyle/>
           <a:p>
             <a:r>
-              <a:rPr lang="en-US" dirty="0" smtClean="0"/>
-              <a:t>Workflow : User Perspective</a:t>
+              <a:rPr lang="en-US" dirty="0"/>
+              <a:t>Proposed ML based </a:t>
+            </a:r>
+            <a:r>
+              <a:rPr lang="en-US" dirty="0" smtClean="0"/>
+              <a:t>Facial Key Points Detection </a:t>
+            </a:r>
+            <a:r>
+              <a:rPr lang="en-US" dirty="0"/>
+              <a:t>S</a:t>
+            </a:r>
+            <a:r>
+              <a:rPr lang="en-US" dirty="0" smtClean="0"/>
+              <a:t>ystem</a:t>
             </a:r>
             <a:endParaRPr lang="en-US" dirty="0"/>
           </a:p>
         </p:txBody>
       </p:sp>
-      <p:pic>
-        <p:nvPicPr>
-          <p:cNvPr id="4" name="Content Placeholder 3"/>
-          <p:cNvPicPr>
-            <a:picLocks noGrp="1"/>
-          </p:cNvPicPr>
+      <p:sp>
+        <p:nvSpPr>
+          <p:cNvPr id="3" name="Content Placeholder 2"/>
+          <p:cNvSpPr>
+            <a:spLocks noGrp="1"/>
+          </p:cNvSpPr>
           <p:nvPr>
             <p:ph idx="1"/>
           </p:nvPr>
-        </p:nvPicPr>
-        <p:blipFill>
-          <a:blip r:embed="rId2">
-            <a:extLst>
-              <a:ext uri="{28A0092B-C50C-407E-A947-70E740481C1C}">
-                <a14:useLocalDpi xmlns:a14="http://schemas.microsoft.com/office/drawing/2010/main" val="0"/>
-              </a:ext>
-            </a:extLst>
-          </a:blip>
-          <a:stretch>
-            <a:fillRect/>
-          </a:stretch>
-        </p:blipFill>
-        <p:spPr>
-          <a:xfrm>
-            <a:off x="3618962" y="1545465"/>
-            <a:ext cx="3812147" cy="4461121"/>
-          </a:xfrm>
-          <a:prstGeom prst="rect">
-            <a:avLst/>
-          </a:prstGeom>
-        </p:spPr>
-      </p:pic>
+        </p:nvSpPr>
+        <p:spPr/>
+        <p:txBody>
+          <a:bodyPr/>
+          <a:lstStyle/>
+          <a:p>
+            <a:r>
+              <a:rPr lang="en-US" dirty="0"/>
+              <a:t>In this proposed system, the combined knowledge of computer vision techniques and deep learning architectures will be applied to build a facial key points detection system</a:t>
+            </a:r>
+            <a:r>
+              <a:rPr lang="en-US" dirty="0" smtClean="0"/>
+              <a:t>.</a:t>
+            </a:r>
+          </a:p>
+          <a:p>
+            <a:r>
+              <a:rPr lang="en-US" dirty="0" smtClean="0"/>
+              <a:t>Facial </a:t>
+            </a:r>
+            <a:r>
+              <a:rPr lang="en-US" dirty="0"/>
+              <a:t>key points include points around the eyes, nose, and mouth on a face and are used in many applications. </a:t>
+            </a:r>
+            <a:endParaRPr lang="en-US" dirty="0" smtClean="0"/>
+          </a:p>
+          <a:p>
+            <a:r>
+              <a:rPr lang="en-US" dirty="0" smtClean="0"/>
+              <a:t>The </a:t>
+            </a:r>
+            <a:r>
+              <a:rPr lang="en-US" dirty="0"/>
+              <a:t>final system should be able to look at any image, detect faces, and predict the locations of facial key points on each face.</a:t>
+            </a:r>
+          </a:p>
+          <a:p>
+            <a:r>
+              <a:rPr lang="en-US" dirty="0"/>
+              <a:t>This system has several applications including facial tracking, facial pose recognition, facial filters, and emotion recognition.</a:t>
+            </a:r>
+          </a:p>
+        </p:txBody>
+      </p:sp>
     </p:spTree>
     <p:extLst>
       <p:ext uri="{BB962C8B-B14F-4D97-AF65-F5344CB8AC3E}">
-        <p14:creationId xmlns:p14="http://schemas.microsoft.com/office/powerpoint/2010/main" val="2418036204"/>
+        <p14:creationId xmlns:p14="http://schemas.microsoft.com/office/powerpoint/2010/main" val="729312306"/>
       </p:ext>
     </p:extLst>
   </p:cSld>
@@ -3371,85 +3390,73 @@
           <a:lstStyle/>
           <a:p>
             <a:r>
-              <a:rPr lang="en-US" smtClean="0"/>
-              <a:t>Required tools</a:t>
+              <a:rPr lang="en-US" dirty="0" smtClean="0"/>
+              <a:t>Workflow </a:t>
+            </a:r>
+            <a:r>
+              <a:rPr lang="en-US" dirty="0" smtClean="0"/>
+              <a:t>Diagram of the Proposed System</a:t>
             </a:r>
             <a:endParaRPr lang="en-US" dirty="0"/>
           </a:p>
         </p:txBody>
       </p:sp>
-      <p:sp>
-        <p:nvSpPr>
-          <p:cNvPr id="3" name="Content Placeholder 2"/>
-          <p:cNvSpPr>
-            <a:spLocks noGrp="1"/>
-          </p:cNvSpPr>
+      <p:pic>
+        <p:nvPicPr>
+          <p:cNvPr id="4" name="Content Placeholder 3"/>
+          <p:cNvPicPr>
+            <a:picLocks noGrp="1"/>
+          </p:cNvPicPr>
           <p:nvPr>
             <p:ph idx="1"/>
           </p:nvPr>
-        </p:nvSpPr>
-        <p:spPr/>
-        <p:txBody>
-          <a:bodyPr/>
-          <a:lstStyle/>
-          <a:p>
-            <a:pPr lvl="0"/>
-            <a:r>
-              <a:rPr lang="en-US" dirty="0"/>
-              <a:t>Python 3.5</a:t>
-            </a:r>
-          </a:p>
-          <a:p>
-            <a:pPr lvl="0"/>
-            <a:r>
-              <a:rPr lang="en-US" dirty="0"/>
-              <a:t>IDE</a:t>
-            </a:r>
-          </a:p>
-          <a:p>
-            <a:pPr lvl="0"/>
-            <a:r>
-              <a:rPr lang="en-US" dirty="0" err="1"/>
-              <a:t>Numpy</a:t>
-            </a:r>
-            <a:endParaRPr lang="en-US" dirty="0"/>
-          </a:p>
-          <a:p>
-            <a:pPr lvl="0"/>
-            <a:r>
-              <a:rPr lang="en-US" dirty="0" err="1"/>
-              <a:t>Matplotlib</a:t>
-            </a:r>
-            <a:endParaRPr lang="en-US" dirty="0"/>
-          </a:p>
-          <a:p>
-            <a:pPr lvl="0"/>
-            <a:r>
-              <a:rPr lang="en-US" dirty="0"/>
-              <a:t>Pandas</a:t>
-            </a:r>
-          </a:p>
-          <a:p>
-            <a:pPr lvl="0"/>
-            <a:r>
-              <a:rPr lang="en-US" dirty="0" err="1"/>
-              <a:t>Seaborn</a:t>
-            </a:r>
-            <a:endParaRPr lang="en-US" dirty="0"/>
-          </a:p>
-          <a:p>
-            <a:pPr lvl="0"/>
-            <a:r>
-              <a:rPr lang="en-US" dirty="0" err="1"/>
-              <a:t>Tensorflow</a:t>
-            </a:r>
-            <a:endParaRPr lang="en-US" dirty="0"/>
-          </a:p>
-          <a:p>
-            <a:pPr lvl="0"/>
-            <a:r>
-              <a:rPr lang="en-US" dirty="0" err="1"/>
-              <a:t>Keras</a:t>
+        </p:nvPicPr>
+        <p:blipFill rotWithShape="1">
+          <a:blip r:embed="rId2">
+            <a:extLst>
+              <a:ext uri="{28A0092B-C50C-407E-A947-70E740481C1C}">
+                <a14:useLocalDpi xmlns:a14="http://schemas.microsoft.com/office/drawing/2010/main" val="0"/>
+              </a:ext>
+            </a:extLst>
+          </a:blip>
+          <a:srcRect l="5103" t="10937" r="7158" b="10051"/>
+          <a:stretch/>
+        </p:blipFill>
+        <p:spPr>
+          <a:xfrm>
+            <a:off x="2123090" y="1944413"/>
+            <a:ext cx="7493875" cy="3573517"/>
+          </a:xfrm>
+          <a:prstGeom prst="rect">
+            <a:avLst/>
+          </a:prstGeom>
+        </p:spPr>
+      </p:pic>
+      <p:sp>
+        <p:nvSpPr>
+          <p:cNvPr id="3" name="TextBox 2"/>
+          <p:cNvSpPr txBox="1"/>
+          <p:nvPr/>
+        </p:nvSpPr>
+        <p:spPr>
+          <a:xfrm>
+            <a:off x="4046483" y="5854262"/>
+            <a:ext cx="4502515" cy="369332"/>
+          </a:xfrm>
+          <a:prstGeom prst="rect">
+            <a:avLst/>
+          </a:prstGeom>
+          <a:noFill/>
+        </p:spPr>
+        <p:txBody>
+          <a:bodyPr wrap="none" rtlCol="0">
+            <a:spAutoFit/>
+          </a:bodyPr>
+          <a:lstStyle/>
+          <a:p>
+            <a:r>
+              <a:rPr lang="en-US" dirty="0" smtClean="0"/>
+              <a:t>Fig: Proposed Machine Learning based system</a:t>
             </a:r>
             <a:endParaRPr lang="en-US" dirty="0"/>
           </a:p>
@@ -3458,7 +3465,7 @@
     </p:spTree>
     <p:extLst>
       <p:ext uri="{BB962C8B-B14F-4D97-AF65-F5344CB8AC3E}">
-        <p14:creationId xmlns:p14="http://schemas.microsoft.com/office/powerpoint/2010/main" val="1841082748"/>
+        <p14:creationId xmlns:p14="http://schemas.microsoft.com/office/powerpoint/2010/main" val="3568761768"/>
       </p:ext>
     </p:extLst>
   </p:cSld>
@@ -3501,13 +3508,127 @@
           <a:lstStyle/>
           <a:p>
             <a:r>
-              <a:rPr lang="en-US" dirty="0" smtClean="0"/>
-              <a:t>Thank You</a:t>
+              <a:rPr lang="en-US" dirty="0"/>
+              <a:t>User Perspective Workflow</a:t>
             </a:r>
             <a:endParaRPr lang="en-US" dirty="0"/>
           </a:p>
         </p:txBody>
       </p:sp>
+      <p:pic>
+        <p:nvPicPr>
+          <p:cNvPr id="4" name="Content Placeholder 3"/>
+          <p:cNvPicPr>
+            <a:picLocks noGrp="1"/>
+          </p:cNvPicPr>
+          <p:nvPr>
+            <p:ph idx="1"/>
+          </p:nvPr>
+        </p:nvPicPr>
+        <p:blipFill rotWithShape="1">
+          <a:blip r:embed="rId2">
+            <a:extLst>
+              <a:ext uri="{28A0092B-C50C-407E-A947-70E740481C1C}">
+                <a14:useLocalDpi xmlns:a14="http://schemas.microsoft.com/office/drawing/2010/main" val="0"/>
+              </a:ext>
+            </a:extLst>
+          </a:blip>
+          <a:srcRect l="12869" t="3524" r="13242" b="6006"/>
+          <a:stretch/>
+        </p:blipFill>
+        <p:spPr>
+          <a:xfrm>
+            <a:off x="4109545" y="1439918"/>
+            <a:ext cx="2585545" cy="4561490"/>
+          </a:xfrm>
+          <a:prstGeom prst="rect">
+            <a:avLst/>
+          </a:prstGeom>
+        </p:spPr>
+      </p:pic>
+      <p:sp>
+        <p:nvSpPr>
+          <p:cNvPr id="3" name="TextBox 2"/>
+          <p:cNvSpPr txBox="1"/>
+          <p:nvPr/>
+        </p:nvSpPr>
+        <p:spPr>
+          <a:xfrm>
+            <a:off x="3867089" y="6138042"/>
+            <a:ext cx="3070456" cy="369332"/>
+          </a:xfrm>
+          <a:prstGeom prst="rect">
+            <a:avLst/>
+          </a:prstGeom>
+          <a:noFill/>
+        </p:spPr>
+        <p:txBody>
+          <a:bodyPr wrap="none" rtlCol="0">
+            <a:spAutoFit/>
+          </a:bodyPr>
+          <a:lstStyle/>
+          <a:p>
+            <a:r>
+              <a:rPr lang="en-US" dirty="0" smtClean="0"/>
+              <a:t>Fig: User perspective workflow</a:t>
+            </a:r>
+            <a:endParaRPr lang="en-US" dirty="0"/>
+          </a:p>
+        </p:txBody>
+      </p:sp>
+    </p:spTree>
+    <p:extLst>
+      <p:ext uri="{BB962C8B-B14F-4D97-AF65-F5344CB8AC3E}">
+        <p14:creationId xmlns:p14="http://schemas.microsoft.com/office/powerpoint/2010/main" val="2418036204"/>
+      </p:ext>
+    </p:extLst>
+  </p:cSld>
+  <p:clrMapOvr>
+    <a:masterClrMapping/>
+  </p:clrMapOvr>
+</p:sld>
+</file>
+
+<file path=ppt/slides/slide15.xml><?xml version="1.0" encoding="utf-8"?>
+<p:sld xmlns:a="http://schemas.openxmlformats.org/drawingml/2006/main" xmlns:r="http://schemas.openxmlformats.org/officeDocument/2006/relationships" xmlns:p="http://schemas.openxmlformats.org/presentationml/2006/main">
+  <p:cSld>
+    <p:spTree>
+      <p:nvGrpSpPr>
+        <p:cNvPr id="1" name=""/>
+        <p:cNvGrpSpPr/>
+        <p:nvPr/>
+      </p:nvGrpSpPr>
+      <p:grpSpPr>
+        <a:xfrm>
+          <a:off x="0" y="0"/>
+          <a:ext cx="0" cy="0"/>
+          <a:chOff x="0" y="0"/>
+          <a:chExt cx="0" cy="0"/>
+        </a:xfrm>
+      </p:grpSpPr>
+      <p:sp>
+        <p:nvSpPr>
+          <p:cNvPr id="2" name="Title 1"/>
+          <p:cNvSpPr>
+            <a:spLocks noGrp="1"/>
+          </p:cNvSpPr>
+          <p:nvPr>
+            <p:ph type="title"/>
+          </p:nvPr>
+        </p:nvSpPr>
+        <p:spPr/>
+        <p:txBody>
+          <a:bodyPr/>
+          <a:lstStyle/>
+          <a:p>
+            <a:r>
+              <a:rPr lang="en-US" dirty="0" smtClean="0"/>
+              <a:t>Features</a:t>
+            </a:r>
+            <a:endParaRPr lang="en-US" dirty="0"/>
+          </a:p>
+        </p:txBody>
+      </p:sp>
       <p:sp>
         <p:nvSpPr>
           <p:cNvPr id="3" name="Content Placeholder 2"/>
@@ -3523,14 +3644,453 @@
           <a:bodyPr/>
           <a:lstStyle/>
           <a:p>
-            <a:pPr marL="0" indent="0">
+            <a:r>
+              <a:rPr lang="en-US" dirty="0" smtClean="0"/>
+              <a:t>Can be used in online learning system</a:t>
+            </a:r>
+          </a:p>
+          <a:p>
+            <a:r>
+              <a:rPr lang="en-US" dirty="0" smtClean="0"/>
+              <a:t>Easy to integrate</a:t>
+            </a:r>
+          </a:p>
+          <a:p>
+            <a:r>
+              <a:rPr lang="en-US" dirty="0" smtClean="0"/>
+              <a:t>It is possible to automate the learning system</a:t>
+            </a:r>
+            <a:endParaRPr lang="en-US" dirty="0"/>
+          </a:p>
+        </p:txBody>
+      </p:sp>
+    </p:spTree>
+    <p:extLst>
+      <p:ext uri="{BB962C8B-B14F-4D97-AF65-F5344CB8AC3E}">
+        <p14:creationId xmlns:p14="http://schemas.microsoft.com/office/powerpoint/2010/main" val="3222681847"/>
+      </p:ext>
+    </p:extLst>
+  </p:cSld>
+  <p:clrMapOvr>
+    <a:masterClrMapping/>
+  </p:clrMapOvr>
+</p:sld>
+</file>
+
+<file path=ppt/slides/slide16.xml><?xml version="1.0" encoding="utf-8"?>
+<p:sld xmlns:a="http://schemas.openxmlformats.org/drawingml/2006/main" xmlns:r="http://schemas.openxmlformats.org/officeDocument/2006/relationships" xmlns:p="http://schemas.openxmlformats.org/presentationml/2006/main">
+  <p:cSld>
+    <p:spTree>
+      <p:nvGrpSpPr>
+        <p:cNvPr id="1" name=""/>
+        <p:cNvGrpSpPr/>
+        <p:nvPr/>
+      </p:nvGrpSpPr>
+      <p:grpSpPr>
+        <a:xfrm>
+          <a:off x="0" y="0"/>
+          <a:ext cx="0" cy="0"/>
+          <a:chOff x="0" y="0"/>
+          <a:chExt cx="0" cy="0"/>
+        </a:xfrm>
+      </p:grpSpPr>
+      <p:sp>
+        <p:nvSpPr>
+          <p:cNvPr id="2" name="Title 1"/>
+          <p:cNvSpPr>
+            <a:spLocks noGrp="1"/>
+          </p:cNvSpPr>
+          <p:nvPr>
+            <p:ph type="title"/>
+          </p:nvPr>
+        </p:nvSpPr>
+        <p:spPr/>
+        <p:txBody>
+          <a:bodyPr/>
+          <a:lstStyle/>
+          <a:p>
+            <a:r>
+              <a:rPr lang="en-US" dirty="0" smtClean="0"/>
+              <a:t>Merits of the System</a:t>
+            </a:r>
+            <a:endParaRPr lang="en-US" dirty="0"/>
+          </a:p>
+        </p:txBody>
+      </p:sp>
+      <p:sp>
+        <p:nvSpPr>
+          <p:cNvPr id="3" name="Content Placeholder 2"/>
+          <p:cNvSpPr>
+            <a:spLocks noGrp="1"/>
+          </p:cNvSpPr>
+          <p:nvPr>
+            <p:ph idx="1"/>
+          </p:nvPr>
+        </p:nvSpPr>
+        <p:spPr/>
+        <p:txBody>
+          <a:bodyPr/>
+          <a:lstStyle/>
+          <a:p>
+            <a:r>
+              <a:rPr lang="en-US" dirty="0" smtClean="0"/>
+              <a:t>Detect facial key points with high accuracy</a:t>
+            </a:r>
+          </a:p>
+          <a:p>
+            <a:r>
+              <a:rPr lang="en-US" dirty="0" smtClean="0"/>
+              <a:t>Easy to use in time series problem</a:t>
+            </a:r>
+          </a:p>
+          <a:p>
+            <a:r>
+              <a:rPr lang="en-US" dirty="0" smtClean="0"/>
+              <a:t>Low false positive rate</a:t>
+            </a:r>
+            <a:endParaRPr lang="en-US" dirty="0"/>
+          </a:p>
+        </p:txBody>
+      </p:sp>
+    </p:spTree>
+    <p:extLst>
+      <p:ext uri="{BB962C8B-B14F-4D97-AF65-F5344CB8AC3E}">
+        <p14:creationId xmlns:p14="http://schemas.microsoft.com/office/powerpoint/2010/main" val="3097113009"/>
+      </p:ext>
+    </p:extLst>
+  </p:cSld>
+  <p:clrMapOvr>
+    <a:masterClrMapping/>
+  </p:clrMapOvr>
+</p:sld>
+</file>
+
+<file path=ppt/slides/slide17.xml><?xml version="1.0" encoding="utf-8"?>
+<p:sld xmlns:a="http://schemas.openxmlformats.org/drawingml/2006/main" xmlns:r="http://schemas.openxmlformats.org/officeDocument/2006/relationships" xmlns:p="http://schemas.openxmlformats.org/presentationml/2006/main">
+  <p:cSld>
+    <p:spTree>
+      <p:nvGrpSpPr>
+        <p:cNvPr id="1" name=""/>
+        <p:cNvGrpSpPr/>
+        <p:nvPr/>
+      </p:nvGrpSpPr>
+      <p:grpSpPr>
+        <a:xfrm>
+          <a:off x="0" y="0"/>
+          <a:ext cx="0" cy="0"/>
+          <a:chOff x="0" y="0"/>
+          <a:chExt cx="0" cy="0"/>
+        </a:xfrm>
+      </p:grpSpPr>
+      <p:sp>
+        <p:nvSpPr>
+          <p:cNvPr id="2" name="Title 1"/>
+          <p:cNvSpPr>
+            <a:spLocks noGrp="1"/>
+          </p:cNvSpPr>
+          <p:nvPr>
+            <p:ph type="title"/>
+          </p:nvPr>
+        </p:nvSpPr>
+        <p:spPr/>
+        <p:txBody>
+          <a:bodyPr/>
+          <a:lstStyle/>
+          <a:p>
+            <a:r>
+              <a:rPr lang="en-US" dirty="0" smtClean="0"/>
+              <a:t>Required </a:t>
+            </a:r>
+            <a:r>
+              <a:rPr lang="en-US" dirty="0"/>
+              <a:t>Hardware </a:t>
+            </a:r>
+            <a:r>
+              <a:rPr lang="en-US" dirty="0" smtClean="0"/>
+              <a:t>Tools</a:t>
+            </a:r>
+            <a:endParaRPr lang="en-US" dirty="0"/>
+          </a:p>
+        </p:txBody>
+      </p:sp>
+      <p:sp>
+        <p:nvSpPr>
+          <p:cNvPr id="3" name="Content Placeholder 2"/>
+          <p:cNvSpPr>
+            <a:spLocks noGrp="1"/>
+          </p:cNvSpPr>
+          <p:nvPr>
+            <p:ph idx="1"/>
+          </p:nvPr>
+        </p:nvSpPr>
+        <p:spPr/>
+        <p:txBody>
+          <a:bodyPr/>
+          <a:lstStyle/>
+          <a:p>
+            <a:pPr lvl="0"/>
+            <a:r>
+              <a:rPr lang="en-US" dirty="0" smtClean="0"/>
+              <a:t>CPU: Core i7 at least 3.0 GHz and quad core</a:t>
+            </a:r>
+            <a:endParaRPr lang="en-US" dirty="0"/>
+          </a:p>
+          <a:p>
+            <a:pPr lvl="0"/>
+            <a:r>
+              <a:rPr lang="en-US" dirty="0" smtClean="0"/>
+              <a:t>RAM: 16 GB</a:t>
+            </a:r>
+            <a:endParaRPr lang="en-US" dirty="0"/>
+          </a:p>
+          <a:p>
+            <a:pPr lvl="0"/>
+            <a:r>
+              <a:rPr lang="en-US" dirty="0" smtClean="0"/>
+              <a:t>GPU: </a:t>
+            </a:r>
+            <a:r>
+              <a:rPr lang="en-US" dirty="0" err="1" smtClean="0"/>
+              <a:t>Nvidia</a:t>
+            </a:r>
+            <a:r>
+              <a:rPr lang="en-US" dirty="0" smtClean="0"/>
+              <a:t> graphics at least 3 GB</a:t>
+            </a:r>
+            <a:endParaRPr lang="en-US" dirty="0"/>
+          </a:p>
+          <a:p>
+            <a:pPr lvl="0"/>
+            <a:r>
+              <a:rPr lang="en-US" dirty="0" smtClean="0"/>
+              <a:t>Auxiliary Storage: 512 GB SSD with 1 TB HDD</a:t>
+            </a:r>
+            <a:endParaRPr lang="en-US" dirty="0"/>
+          </a:p>
+        </p:txBody>
+      </p:sp>
+    </p:spTree>
+    <p:extLst>
+      <p:ext uri="{BB962C8B-B14F-4D97-AF65-F5344CB8AC3E}">
+        <p14:creationId xmlns:p14="http://schemas.microsoft.com/office/powerpoint/2010/main" val="1841082748"/>
+      </p:ext>
+    </p:extLst>
+  </p:cSld>
+  <p:clrMapOvr>
+    <a:masterClrMapping/>
+  </p:clrMapOvr>
+</p:sld>
+</file>
+
+<file path=ppt/slides/slide18.xml><?xml version="1.0" encoding="utf-8"?>
+<p:sld xmlns:a="http://schemas.openxmlformats.org/drawingml/2006/main" xmlns:r="http://schemas.openxmlformats.org/officeDocument/2006/relationships" xmlns:p="http://schemas.openxmlformats.org/presentationml/2006/main">
+  <p:cSld>
+    <p:spTree>
+      <p:nvGrpSpPr>
+        <p:cNvPr id="1" name=""/>
+        <p:cNvGrpSpPr/>
+        <p:nvPr/>
+      </p:nvGrpSpPr>
+      <p:grpSpPr>
+        <a:xfrm>
+          <a:off x="0" y="0"/>
+          <a:ext cx="0" cy="0"/>
+          <a:chOff x="0" y="0"/>
+          <a:chExt cx="0" cy="0"/>
+        </a:xfrm>
+      </p:grpSpPr>
+      <p:sp>
+        <p:nvSpPr>
+          <p:cNvPr id="2" name="Title 1"/>
+          <p:cNvSpPr>
+            <a:spLocks noGrp="1"/>
+          </p:cNvSpPr>
+          <p:nvPr>
+            <p:ph type="title"/>
+          </p:nvPr>
+        </p:nvSpPr>
+        <p:spPr/>
+        <p:txBody>
+          <a:bodyPr/>
+          <a:lstStyle/>
+          <a:p>
+            <a:r>
+              <a:rPr lang="en-US" dirty="0" smtClean="0"/>
+              <a:t>Required </a:t>
+            </a:r>
+            <a:r>
+              <a:rPr lang="en-US" dirty="0"/>
+              <a:t>Software </a:t>
+            </a:r>
+            <a:r>
+              <a:rPr lang="en-US" dirty="0" smtClean="0"/>
+              <a:t>Tools</a:t>
+            </a:r>
+            <a:endParaRPr lang="en-US" dirty="0"/>
+          </a:p>
+        </p:txBody>
+      </p:sp>
+      <p:sp>
+        <p:nvSpPr>
+          <p:cNvPr id="3" name="Content Placeholder 2"/>
+          <p:cNvSpPr>
+            <a:spLocks noGrp="1"/>
+          </p:cNvSpPr>
+          <p:nvPr>
+            <p:ph idx="1"/>
+          </p:nvPr>
+        </p:nvSpPr>
+        <p:spPr/>
+        <p:txBody>
+          <a:bodyPr/>
+          <a:lstStyle/>
+          <a:p>
+            <a:pPr lvl="0"/>
+            <a:r>
+              <a:rPr lang="en-US" dirty="0"/>
+              <a:t>Python 3.5</a:t>
+            </a:r>
+          </a:p>
+          <a:p>
+            <a:pPr lvl="0"/>
+            <a:r>
+              <a:rPr lang="en-US" dirty="0"/>
+              <a:t>IDE</a:t>
+            </a:r>
+          </a:p>
+          <a:p>
+            <a:pPr lvl="0"/>
+            <a:r>
+              <a:rPr lang="en-US" dirty="0" err="1"/>
+              <a:t>Numpy</a:t>
+            </a:r>
+            <a:endParaRPr lang="en-US" dirty="0"/>
+          </a:p>
+          <a:p>
+            <a:pPr lvl="0"/>
+            <a:r>
+              <a:rPr lang="en-US" dirty="0" err="1"/>
+              <a:t>Matplotlib</a:t>
+            </a:r>
+            <a:endParaRPr lang="en-US" dirty="0"/>
+          </a:p>
+          <a:p>
+            <a:pPr lvl="0"/>
+            <a:r>
+              <a:rPr lang="en-US" dirty="0"/>
+              <a:t>Pandas</a:t>
+            </a:r>
+          </a:p>
+          <a:p>
+            <a:pPr lvl="0"/>
+            <a:r>
+              <a:rPr lang="en-US" dirty="0" err="1"/>
+              <a:t>Seaborn</a:t>
+            </a:r>
+            <a:endParaRPr lang="en-US" dirty="0"/>
+          </a:p>
+          <a:p>
+            <a:pPr lvl="0"/>
+            <a:r>
+              <a:rPr lang="en-US" dirty="0" err="1"/>
+              <a:t>Tensorflow</a:t>
+            </a:r>
+            <a:endParaRPr lang="en-US" dirty="0"/>
+          </a:p>
+          <a:p>
+            <a:pPr lvl="0"/>
+            <a:r>
+              <a:rPr lang="en-US" dirty="0" err="1"/>
+              <a:t>Keras</a:t>
+            </a:r>
+            <a:endParaRPr lang="en-US" dirty="0"/>
+          </a:p>
+        </p:txBody>
+      </p:sp>
+    </p:spTree>
+    <p:extLst>
+      <p:ext uri="{BB962C8B-B14F-4D97-AF65-F5344CB8AC3E}">
+        <p14:creationId xmlns:p14="http://schemas.microsoft.com/office/powerpoint/2010/main" val="2497703504"/>
+      </p:ext>
+    </p:extLst>
+  </p:cSld>
+  <p:clrMapOvr>
+    <a:masterClrMapping/>
+  </p:clrMapOvr>
+</p:sld>
+</file>
+
+<file path=ppt/slides/slide19.xml><?xml version="1.0" encoding="utf-8"?>
+<p:sld xmlns:a="http://schemas.openxmlformats.org/drawingml/2006/main" xmlns:r="http://schemas.openxmlformats.org/officeDocument/2006/relationships" xmlns:p="http://schemas.openxmlformats.org/presentationml/2006/main">
+  <p:cSld>
+    <p:spTree>
+      <p:nvGrpSpPr>
+        <p:cNvPr id="1" name=""/>
+        <p:cNvGrpSpPr/>
+        <p:nvPr/>
+      </p:nvGrpSpPr>
+      <p:grpSpPr>
+        <a:xfrm>
+          <a:off x="0" y="0"/>
+          <a:ext cx="0" cy="0"/>
+          <a:chOff x="0" y="0"/>
+          <a:chExt cx="0" cy="0"/>
+        </a:xfrm>
+      </p:grpSpPr>
+      <p:sp>
+        <p:nvSpPr>
+          <p:cNvPr id="2" name="Title 1"/>
+          <p:cNvSpPr>
+            <a:spLocks noGrp="1"/>
+          </p:cNvSpPr>
+          <p:nvPr>
+            <p:ph type="title"/>
+          </p:nvPr>
+        </p:nvSpPr>
+        <p:spPr/>
+        <p:txBody>
+          <a:bodyPr/>
+          <a:lstStyle/>
+          <a:p>
+            <a:r>
+              <a:rPr lang="en-US" dirty="0" smtClean="0"/>
+              <a:t> </a:t>
+            </a:r>
+            <a:endParaRPr lang="en-US" dirty="0"/>
+          </a:p>
+        </p:txBody>
+      </p:sp>
+      <p:sp>
+        <p:nvSpPr>
+          <p:cNvPr id="3" name="Content Placeholder 2"/>
+          <p:cNvSpPr>
+            <a:spLocks noGrp="1"/>
+          </p:cNvSpPr>
+          <p:nvPr>
+            <p:ph idx="1"/>
+          </p:nvPr>
+        </p:nvSpPr>
+        <p:spPr/>
+        <p:txBody>
+          <a:bodyPr>
+            <a:normAutofit/>
+          </a:bodyPr>
+          <a:lstStyle/>
+          <a:p>
+            <a:pPr marL="0" indent="0" algn="ctr">
               <a:buNone/>
             </a:pPr>
-            <a:r>
-              <a:rPr lang="en-US" dirty="0" smtClean="0"/>
-              <a:t>Any Query?</a:t>
-            </a:r>
-            <a:endParaRPr lang="en-US" dirty="0"/>
+            <a:endParaRPr lang="en-US" sz="9600" dirty="0" smtClean="0"/>
+          </a:p>
+          <a:p>
+            <a:pPr marL="0" indent="0" algn="ctr">
+              <a:buNone/>
+            </a:pPr>
+            <a:r>
+              <a:rPr lang="en-US" sz="9600" dirty="0" smtClean="0"/>
+              <a:t>Thank you</a:t>
+            </a:r>
+            <a:endParaRPr lang="en-US" sz="9600" dirty="0"/>
           </a:p>
         </p:txBody>
       </p:sp>
@@ -3581,7 +4141,15 @@
           <a:p>
             <a:r>
               <a:rPr lang="en-US" dirty="0" smtClean="0"/>
-              <a:t>Facial Key-points Detection</a:t>
+              <a:t>Facial </a:t>
+            </a:r>
+            <a:r>
+              <a:rPr lang="en-US" dirty="0" smtClean="0"/>
+              <a:t>Key Points </a:t>
+            </a:r>
+            <a:r>
+              <a:rPr lang="en-US" dirty="0" smtClean="0"/>
+              <a:t>Detection</a:t>
             </a:r>
             <a:endParaRPr lang="en-US" dirty="0"/>
           </a:p>
@@ -3782,15 +4350,15 @@
           <a:p>
             <a:r>
               <a:rPr lang="en-US" b="1" dirty="0" smtClean="0"/>
-              <a:t> Existing Key </a:t>
-            </a:r>
-            <a:r>
-              <a:rPr lang="en-US" b="1" dirty="0"/>
-              <a:t>points </a:t>
-            </a:r>
-            <a:r>
-              <a:rPr lang="en-US" b="1" dirty="0" smtClean="0"/>
-              <a:t>detection algorithms</a:t>
+              <a:t> </a:t>
+            </a:r>
+            <a:r>
+              <a:rPr lang="en-US" dirty="0" smtClean="0"/>
+              <a:t>Existing Key </a:t>
+            </a:r>
+            <a:r>
+              <a:rPr lang="en-US" dirty="0" smtClean="0"/>
+              <a:t>Points Detection Algorithms</a:t>
             </a:r>
             <a:endParaRPr lang="en-US" dirty="0"/>
           </a:p>
@@ -3924,12 +4492,8 @@
           <a:lstStyle/>
           <a:p>
             <a:r>
-              <a:rPr lang="en-US" dirty="0" err="1"/>
-              <a:t>OpenCV</a:t>
-            </a:r>
-            <a:r>
               <a:rPr lang="en-US" dirty="0"/>
-              <a:t> is a popular computer vision </a:t>
+              <a:t>OpenCV is a popular computer vision </a:t>
             </a:r>
             <a:r>
               <a:rPr lang="en-US" dirty="0" smtClean="0"/>
@@ -4040,12 +4604,8 @@
           <a:lstStyle/>
           <a:p>
             <a:r>
-              <a:rPr lang="en-US" dirty="0" err="1" smtClean="0"/>
-              <a:t>OpenCV</a:t>
-            </a:r>
-            <a:r>
-              <a:rPr lang="en-US" dirty="0" smtClean="0"/>
-              <a:t> Workflow</a:t>
+              <a:rPr lang="en-US" dirty="0" smtClean="0"/>
+              <a:t>OpenCV Workflow</a:t>
             </a:r>
             <a:endParaRPr lang="en-US" dirty="0"/>
           </a:p>
@@ -4074,8 +4634,8 @@
         </p:blipFill>
         <p:spPr bwMode="auto">
           <a:xfrm>
-            <a:off x="3193818" y="2594541"/>
-            <a:ext cx="5804364" cy="2813506"/>
+            <a:off x="1460938" y="1849820"/>
+            <a:ext cx="8050924" cy="3888827"/>
           </a:xfrm>
           <a:prstGeom prst="rect">
             <a:avLst/>
@@ -4090,6 +4650,36 @@
           </a:extLst>
         </p:spPr>
       </p:pic>
+      <p:sp>
+        <p:nvSpPr>
+          <p:cNvPr id="3" name="TextBox 2"/>
+          <p:cNvSpPr txBox="1"/>
+          <p:nvPr/>
+        </p:nvSpPr>
+        <p:spPr>
+          <a:xfrm>
+            <a:off x="4435366" y="6064469"/>
+            <a:ext cx="2343806" cy="369332"/>
+          </a:xfrm>
+          <a:prstGeom prst="rect">
+            <a:avLst/>
+          </a:prstGeom>
+          <a:noFill/>
+        </p:spPr>
+        <p:txBody>
+          <a:bodyPr wrap="square" rtlCol="0">
+            <a:spAutoFit/>
+          </a:bodyPr>
+          <a:lstStyle/>
+          <a:p>
+            <a:r>
+              <a:rPr lang="en-US" dirty="0" smtClean="0"/>
+              <a:t>Fig: OpenCV workflow</a:t>
+            </a:r>
+            <a:endParaRPr lang="en-US" dirty="0"/>
+          </a:p>
+        </p:txBody>
+      </p:sp>
     </p:spTree>
     <p:extLst>
       <p:ext uri="{BB962C8B-B14F-4D97-AF65-F5344CB8AC3E}">
@@ -4136,12 +4726,8 @@
           <a:lstStyle/>
           <a:p>
             <a:r>
-              <a:rPr lang="en-US" b="1" dirty="0"/>
-              <a:t>Machine </a:t>
-            </a:r>
-            <a:r>
-              <a:rPr lang="en-US" b="1" dirty="0" smtClean="0"/>
-              <a:t>Learning</a:t>
+              <a:rPr lang="en-US" dirty="0" smtClean="0"/>
+              <a:t>Advantages</a:t>
             </a:r>
             <a:endParaRPr lang="en-US" dirty="0"/>
           </a:p>
@@ -4163,16 +4749,29 @@
           <a:lstStyle/>
           <a:p>
             <a:r>
-              <a:rPr lang="en-US" dirty="0"/>
-              <a:t>Machine learning is an application of artificial intelligence (AI) that provides systems the ability to automatically learn and improve from experience without being explicitly programmed. Machine learning focuses on the development of computer programs that can access data and use it learn for themselves.</a:t>
-            </a:r>
+              <a:rPr lang="en-US" dirty="0" smtClean="0"/>
+              <a:t>Computationally simple and fast</a:t>
+            </a:r>
+          </a:p>
+          <a:p>
+            <a:r>
+              <a:rPr lang="en-US" dirty="0" smtClean="0"/>
+              <a:t>Shorter training time</a:t>
+            </a:r>
+          </a:p>
+          <a:p>
+            <a:r>
+              <a:rPr lang="en-US" dirty="0" smtClean="0"/>
+              <a:t>Better performance in offline learning system</a:t>
+            </a:r>
+            <a:endParaRPr lang="en-US" dirty="0"/>
           </a:p>
         </p:txBody>
       </p:sp>
     </p:spTree>
     <p:extLst>
       <p:ext uri="{BB962C8B-B14F-4D97-AF65-F5344CB8AC3E}">
-        <p14:creationId xmlns:p14="http://schemas.microsoft.com/office/powerpoint/2010/main" val="3167971022"/>
+        <p14:creationId xmlns:p14="http://schemas.microsoft.com/office/powerpoint/2010/main" val="824410332"/>
       </p:ext>
     </p:extLst>
   </p:cSld>
@@ -4216,7 +4815,7 @@
           <a:p>
             <a:r>
               <a:rPr lang="en-US" dirty="0" smtClean="0"/>
-              <a:t>Deep learning</a:t>
+              <a:t>Disadvantages</a:t>
             </a:r>
             <a:endParaRPr lang="en-US" dirty="0"/>
           </a:p>
@@ -4238,16 +4837,33 @@
           <a:lstStyle/>
           <a:p>
             <a:r>
-              <a:rPr lang="en-US" dirty="0"/>
-              <a:t>Deep learning is a subset of machine learning in Artificial Intelligence (AI) that has networks capable of learning unsupervised from data that is unstructured or unlabeled. Also known as Deep Neural Learning or Deep Neural Network.</a:t>
-            </a:r>
+              <a:rPr lang="en-US" dirty="0" smtClean="0"/>
+              <a:t>Not a knowledge based system</a:t>
+            </a:r>
+          </a:p>
+          <a:p>
+            <a:r>
+              <a:rPr lang="en-US" dirty="0" smtClean="0"/>
+              <a:t>Cannot be used in online learning system</a:t>
+            </a:r>
+          </a:p>
+          <a:p>
+            <a:r>
+              <a:rPr lang="en-US" dirty="0" smtClean="0"/>
+              <a:t>Difficult </a:t>
+            </a:r>
+            <a:r>
+              <a:rPr lang="en-US" smtClean="0"/>
+              <a:t>to evolve</a:t>
+            </a:r>
+            <a:endParaRPr lang="en-US" dirty="0"/>
           </a:p>
         </p:txBody>
       </p:sp>
     </p:spTree>
     <p:extLst>
       <p:ext uri="{BB962C8B-B14F-4D97-AF65-F5344CB8AC3E}">
-        <p14:creationId xmlns:p14="http://schemas.microsoft.com/office/powerpoint/2010/main" val="2796826813"/>
+        <p14:creationId xmlns:p14="http://schemas.microsoft.com/office/powerpoint/2010/main" val="2289728502"/>
       </p:ext>
     </p:extLst>
   </p:cSld>
@@ -4290,12 +4906,12 @@
           <a:lstStyle/>
           <a:p>
             <a:r>
-              <a:rPr lang="en-US" dirty="0" smtClean="0"/>
-              <a:t>Convolutional </a:t>
-            </a:r>
-            <a:r>
-              <a:rPr lang="en-US" smtClean="0"/>
-              <a:t>Neural Network</a:t>
+              <a:rPr lang="en-US" dirty="0"/>
+              <a:t>Machine </a:t>
+            </a:r>
+            <a:r>
+              <a:rPr lang="en-US" dirty="0" smtClean="0"/>
+              <a:t>Learning</a:t>
             </a:r>
             <a:endParaRPr lang="en-US" dirty="0"/>
           </a:p>
@@ -4318,26 +4934,15 @@
           <a:p>
             <a:r>
               <a:rPr lang="en-US" dirty="0"/>
-              <a:t>A convolutional neural network (CNN) is a type of artificial neural network used in image recognition and processing that is specifically designed to process pixel data.</a:t>
-            </a:r>
-          </a:p>
-          <a:p>
-            <a:r>
-              <a:rPr lang="en-US" dirty="0"/>
-              <a:t>CNNs are powerful image processing, artificial intelligence (AI) that use deep learning to perform both generative and descriptive tasks, often using computer vision that includes image and video </a:t>
-            </a:r>
-            <a:r>
-              <a:rPr lang="en-US" dirty="0" smtClean="0"/>
-              <a:t>recognition.</a:t>
-            </a:r>
-            <a:endParaRPr lang="en-US" dirty="0"/>
+              <a:t>Machine learning is an application of artificial intelligence (AI) that provides systems the ability to automatically learn and improve from experience without being explicitly programmed. Machine learning focuses on the development of computer programs that can access data and use it learn for themselves.</a:t>
+            </a:r>
           </a:p>
         </p:txBody>
       </p:sp>
     </p:spTree>
     <p:extLst>
       <p:ext uri="{BB962C8B-B14F-4D97-AF65-F5344CB8AC3E}">
-        <p14:creationId xmlns:p14="http://schemas.microsoft.com/office/powerpoint/2010/main" val="2354700059"/>
+        <p14:creationId xmlns:p14="http://schemas.microsoft.com/office/powerpoint/2010/main" val="3167971022"/>
       </p:ext>
     </p:extLst>
   </p:cSld>

--- a/Book/Facial Key-points Detection.pptx
+++ b/Book/Facial Key-points Detection.pptx
@@ -124,7 +124,7 @@
   </p:defaultTextStyle>
   <p:extLst>
     <p:ext uri="{EFAFB233-063F-42B5-8137-9DF3F51BA10A}">
-      <p15:sldGuideLst xmlns:p15="http://schemas.microsoft.com/office/powerpoint/2012/main"/>
+      <p15:sldGuideLst xmlns:p15="http://schemas.microsoft.com/office/powerpoint/2012/main" xmlns=""/>
     </p:ext>
   </p:extLst>
 </p:presentation>
@@ -261,6 +261,7 @@
           <a:p>
             <a:fld id="{AFB43097-3C76-4A29-8348-AE08A1AA276C}" type="datetimeFigureOut">
               <a:rPr lang="en-US" smtClean="0"/>
+              <a:pPr/>
               <a:t>05-May-19</a:t>
             </a:fld>
             <a:endParaRPr lang="en-US"/>
@@ -303,6 +304,7 @@
           <a:p>
             <a:fld id="{97CDD012-FF77-41A3-8E32-7A6643AFEB97}" type="slidenum">
               <a:rPr lang="en-US" smtClean="0"/>
+              <a:pPr/>
               <a:t>‹#›</a:t>
             </a:fld>
             <a:endParaRPr lang="en-US"/>
@@ -312,7 +314,7 @@
     </p:spTree>
     <p:extLst>
       <p:ext uri="{BB962C8B-B14F-4D97-AF65-F5344CB8AC3E}">
-        <p14:creationId xmlns:p14="http://schemas.microsoft.com/office/powerpoint/2010/main" val="3343259189"/>
+        <p14:creationId xmlns:p14="http://schemas.microsoft.com/office/powerpoint/2010/main" xmlns="" val="3343259189"/>
       </p:ext>
     </p:extLst>
   </p:cSld>
@@ -431,6 +433,7 @@
           <a:p>
             <a:fld id="{AFB43097-3C76-4A29-8348-AE08A1AA276C}" type="datetimeFigureOut">
               <a:rPr lang="en-US" smtClean="0"/>
+              <a:pPr/>
               <a:t>05-May-19</a:t>
             </a:fld>
             <a:endParaRPr lang="en-US"/>
@@ -473,6 +476,7 @@
           <a:p>
             <a:fld id="{97CDD012-FF77-41A3-8E32-7A6643AFEB97}" type="slidenum">
               <a:rPr lang="en-US" smtClean="0"/>
+              <a:pPr/>
               <a:t>‹#›</a:t>
             </a:fld>
             <a:endParaRPr lang="en-US"/>
@@ -482,7 +486,7 @@
     </p:spTree>
     <p:extLst>
       <p:ext uri="{BB962C8B-B14F-4D97-AF65-F5344CB8AC3E}">
-        <p14:creationId xmlns:p14="http://schemas.microsoft.com/office/powerpoint/2010/main" val="1823737836"/>
+        <p14:creationId xmlns:p14="http://schemas.microsoft.com/office/powerpoint/2010/main" xmlns="" val="1823737836"/>
       </p:ext>
     </p:extLst>
   </p:cSld>
@@ -611,6 +615,7 @@
           <a:p>
             <a:fld id="{AFB43097-3C76-4A29-8348-AE08A1AA276C}" type="datetimeFigureOut">
               <a:rPr lang="en-US" smtClean="0"/>
+              <a:pPr/>
               <a:t>05-May-19</a:t>
             </a:fld>
             <a:endParaRPr lang="en-US"/>
@@ -653,6 +658,7 @@
           <a:p>
             <a:fld id="{97CDD012-FF77-41A3-8E32-7A6643AFEB97}" type="slidenum">
               <a:rPr lang="en-US" smtClean="0"/>
+              <a:pPr/>
               <a:t>‹#›</a:t>
             </a:fld>
             <a:endParaRPr lang="en-US"/>
@@ -662,7 +668,7 @@
     </p:spTree>
     <p:extLst>
       <p:ext uri="{BB962C8B-B14F-4D97-AF65-F5344CB8AC3E}">
-        <p14:creationId xmlns:p14="http://schemas.microsoft.com/office/powerpoint/2010/main" val="915662401"/>
+        <p14:creationId xmlns:p14="http://schemas.microsoft.com/office/powerpoint/2010/main" xmlns="" val="915662401"/>
       </p:ext>
     </p:extLst>
   </p:cSld>
@@ -781,6 +787,7 @@
           <a:p>
             <a:fld id="{AFB43097-3C76-4A29-8348-AE08A1AA276C}" type="datetimeFigureOut">
               <a:rPr lang="en-US" smtClean="0"/>
+              <a:pPr/>
               <a:t>05-May-19</a:t>
             </a:fld>
             <a:endParaRPr lang="en-US"/>
@@ -823,6 +830,7 @@
           <a:p>
             <a:fld id="{97CDD012-FF77-41A3-8E32-7A6643AFEB97}" type="slidenum">
               <a:rPr lang="en-US" smtClean="0"/>
+              <a:pPr/>
               <a:t>‹#›</a:t>
             </a:fld>
             <a:endParaRPr lang="en-US"/>
@@ -832,7 +840,7 @@
     </p:spTree>
     <p:extLst>
       <p:ext uri="{BB962C8B-B14F-4D97-AF65-F5344CB8AC3E}">
-        <p14:creationId xmlns:p14="http://schemas.microsoft.com/office/powerpoint/2010/main" val="2060874548"/>
+        <p14:creationId xmlns:p14="http://schemas.microsoft.com/office/powerpoint/2010/main" xmlns="" val="2060874548"/>
       </p:ext>
     </p:extLst>
   </p:cSld>
@@ -1027,6 +1035,7 @@
           <a:p>
             <a:fld id="{AFB43097-3C76-4A29-8348-AE08A1AA276C}" type="datetimeFigureOut">
               <a:rPr lang="en-US" smtClean="0"/>
+              <a:pPr/>
               <a:t>05-May-19</a:t>
             </a:fld>
             <a:endParaRPr lang="en-US"/>
@@ -1069,6 +1078,7 @@
           <a:p>
             <a:fld id="{97CDD012-FF77-41A3-8E32-7A6643AFEB97}" type="slidenum">
               <a:rPr lang="en-US" smtClean="0"/>
+              <a:pPr/>
               <a:t>‹#›</a:t>
             </a:fld>
             <a:endParaRPr lang="en-US"/>
@@ -1078,7 +1088,7 @@
     </p:spTree>
     <p:extLst>
       <p:ext uri="{BB962C8B-B14F-4D97-AF65-F5344CB8AC3E}">
-        <p14:creationId xmlns:p14="http://schemas.microsoft.com/office/powerpoint/2010/main" val="2920713596"/>
+        <p14:creationId xmlns:p14="http://schemas.microsoft.com/office/powerpoint/2010/main" xmlns="" val="2920713596"/>
       </p:ext>
     </p:extLst>
   </p:cSld>
@@ -1259,6 +1269,7 @@
           <a:p>
             <a:fld id="{AFB43097-3C76-4A29-8348-AE08A1AA276C}" type="datetimeFigureOut">
               <a:rPr lang="en-US" smtClean="0"/>
+              <a:pPr/>
               <a:t>05-May-19</a:t>
             </a:fld>
             <a:endParaRPr lang="en-US"/>
@@ -1301,6 +1312,7 @@
           <a:p>
             <a:fld id="{97CDD012-FF77-41A3-8E32-7A6643AFEB97}" type="slidenum">
               <a:rPr lang="en-US" smtClean="0"/>
+              <a:pPr/>
               <a:t>‹#›</a:t>
             </a:fld>
             <a:endParaRPr lang="en-US"/>
@@ -1310,7 +1322,7 @@
     </p:spTree>
     <p:extLst>
       <p:ext uri="{BB962C8B-B14F-4D97-AF65-F5344CB8AC3E}">
-        <p14:creationId xmlns:p14="http://schemas.microsoft.com/office/powerpoint/2010/main" val="1929212594"/>
+        <p14:creationId xmlns:p14="http://schemas.microsoft.com/office/powerpoint/2010/main" xmlns="" val="1929212594"/>
       </p:ext>
     </p:extLst>
   </p:cSld>
@@ -1626,6 +1638,7 @@
           <a:p>
             <a:fld id="{AFB43097-3C76-4A29-8348-AE08A1AA276C}" type="datetimeFigureOut">
               <a:rPr lang="en-US" smtClean="0"/>
+              <a:pPr/>
               <a:t>05-May-19</a:t>
             </a:fld>
             <a:endParaRPr lang="en-US"/>
@@ -1668,6 +1681,7 @@
           <a:p>
             <a:fld id="{97CDD012-FF77-41A3-8E32-7A6643AFEB97}" type="slidenum">
               <a:rPr lang="en-US" smtClean="0"/>
+              <a:pPr/>
               <a:t>‹#›</a:t>
             </a:fld>
             <a:endParaRPr lang="en-US"/>
@@ -1677,7 +1691,7 @@
     </p:spTree>
     <p:extLst>
       <p:ext uri="{BB962C8B-B14F-4D97-AF65-F5344CB8AC3E}">
-        <p14:creationId xmlns:p14="http://schemas.microsoft.com/office/powerpoint/2010/main" val="1797236266"/>
+        <p14:creationId xmlns:p14="http://schemas.microsoft.com/office/powerpoint/2010/main" xmlns="" val="1797236266"/>
       </p:ext>
     </p:extLst>
   </p:cSld>
@@ -1744,6 +1758,7 @@
           <a:p>
             <a:fld id="{AFB43097-3C76-4A29-8348-AE08A1AA276C}" type="datetimeFigureOut">
               <a:rPr lang="en-US" smtClean="0"/>
+              <a:pPr/>
               <a:t>05-May-19</a:t>
             </a:fld>
             <a:endParaRPr lang="en-US"/>
@@ -1786,6 +1801,7 @@
           <a:p>
             <a:fld id="{97CDD012-FF77-41A3-8E32-7A6643AFEB97}" type="slidenum">
               <a:rPr lang="en-US" smtClean="0"/>
+              <a:pPr/>
               <a:t>‹#›</a:t>
             </a:fld>
             <a:endParaRPr lang="en-US"/>
@@ -1795,7 +1811,7 @@
     </p:spTree>
     <p:extLst>
       <p:ext uri="{BB962C8B-B14F-4D97-AF65-F5344CB8AC3E}">
-        <p14:creationId xmlns:p14="http://schemas.microsoft.com/office/powerpoint/2010/main" val="2853484796"/>
+        <p14:creationId xmlns:p14="http://schemas.microsoft.com/office/powerpoint/2010/main" xmlns="" val="2853484796"/>
       </p:ext>
     </p:extLst>
   </p:cSld>
@@ -1839,6 +1855,7 @@
           <a:p>
             <a:fld id="{AFB43097-3C76-4A29-8348-AE08A1AA276C}" type="datetimeFigureOut">
               <a:rPr lang="en-US" smtClean="0"/>
+              <a:pPr/>
               <a:t>05-May-19</a:t>
             </a:fld>
             <a:endParaRPr lang="en-US"/>
@@ -1881,6 +1898,7 @@
           <a:p>
             <a:fld id="{97CDD012-FF77-41A3-8E32-7A6643AFEB97}" type="slidenum">
               <a:rPr lang="en-US" smtClean="0"/>
+              <a:pPr/>
               <a:t>‹#›</a:t>
             </a:fld>
             <a:endParaRPr lang="en-US"/>
@@ -1890,7 +1908,7 @@
     </p:spTree>
     <p:extLst>
       <p:ext uri="{BB962C8B-B14F-4D97-AF65-F5344CB8AC3E}">
-        <p14:creationId xmlns:p14="http://schemas.microsoft.com/office/powerpoint/2010/main" val="345087199"/>
+        <p14:creationId xmlns:p14="http://schemas.microsoft.com/office/powerpoint/2010/main" xmlns="" val="345087199"/>
       </p:ext>
     </p:extLst>
   </p:cSld>
@@ -2116,6 +2134,7 @@
           <a:p>
             <a:fld id="{AFB43097-3C76-4A29-8348-AE08A1AA276C}" type="datetimeFigureOut">
               <a:rPr lang="en-US" smtClean="0"/>
+              <a:pPr/>
               <a:t>05-May-19</a:t>
             </a:fld>
             <a:endParaRPr lang="en-US"/>
@@ -2158,6 +2177,7 @@
           <a:p>
             <a:fld id="{97CDD012-FF77-41A3-8E32-7A6643AFEB97}" type="slidenum">
               <a:rPr lang="en-US" smtClean="0"/>
+              <a:pPr/>
               <a:t>‹#›</a:t>
             </a:fld>
             <a:endParaRPr lang="en-US"/>
@@ -2167,7 +2187,7 @@
     </p:spTree>
     <p:extLst>
       <p:ext uri="{BB962C8B-B14F-4D97-AF65-F5344CB8AC3E}">
-        <p14:creationId xmlns:p14="http://schemas.microsoft.com/office/powerpoint/2010/main" val="2310138845"/>
+        <p14:creationId xmlns:p14="http://schemas.microsoft.com/office/powerpoint/2010/main" xmlns="" val="2310138845"/>
       </p:ext>
     </p:extLst>
   </p:cSld>
@@ -2369,6 +2389,7 @@
           <a:p>
             <a:fld id="{AFB43097-3C76-4A29-8348-AE08A1AA276C}" type="datetimeFigureOut">
               <a:rPr lang="en-US" smtClean="0"/>
+              <a:pPr/>
               <a:t>05-May-19</a:t>
             </a:fld>
             <a:endParaRPr lang="en-US"/>
@@ -2411,6 +2432,7 @@
           <a:p>
             <a:fld id="{97CDD012-FF77-41A3-8E32-7A6643AFEB97}" type="slidenum">
               <a:rPr lang="en-US" smtClean="0"/>
+              <a:pPr/>
               <a:t>‹#›</a:t>
             </a:fld>
             <a:endParaRPr lang="en-US"/>
@@ -2420,7 +2442,7 @@
     </p:spTree>
     <p:extLst>
       <p:ext uri="{BB962C8B-B14F-4D97-AF65-F5344CB8AC3E}">
-        <p14:creationId xmlns:p14="http://schemas.microsoft.com/office/powerpoint/2010/main" val="4220465630"/>
+        <p14:creationId xmlns:p14="http://schemas.microsoft.com/office/powerpoint/2010/main" xmlns="" val="4220465630"/>
       </p:ext>
     </p:extLst>
   </p:cSld>
@@ -2582,6 +2604,7 @@
           <a:p>
             <a:fld id="{AFB43097-3C76-4A29-8348-AE08A1AA276C}" type="datetimeFigureOut">
               <a:rPr lang="en-US" smtClean="0"/>
+              <a:pPr/>
               <a:t>05-May-19</a:t>
             </a:fld>
             <a:endParaRPr lang="en-US"/>
@@ -2660,6 +2683,7 @@
           <a:p>
             <a:fld id="{97CDD012-FF77-41A3-8E32-7A6643AFEB97}" type="slidenum">
               <a:rPr lang="en-US" smtClean="0"/>
+              <a:pPr/>
               <a:t>‹#›</a:t>
             </a:fld>
             <a:endParaRPr lang="en-US"/>
@@ -2669,7 +2693,7 @@
     </p:spTree>
     <p:extLst>
       <p:ext uri="{BB962C8B-B14F-4D97-AF65-F5344CB8AC3E}">
-        <p14:creationId xmlns:p14="http://schemas.microsoft.com/office/powerpoint/2010/main" val="2040519404"/>
+        <p14:creationId xmlns:p14="http://schemas.microsoft.com/office/powerpoint/2010/main" xmlns="" val="2040519404"/>
       </p:ext>
     </p:extLst>
   </p:cSld>
@@ -3006,15 +3030,7 @@
           <a:p>
             <a:r>
               <a:rPr lang="en-US" dirty="0" smtClean="0"/>
-              <a:t>Study and Implementation on </a:t>
-            </a:r>
-            <a:r>
-              <a:rPr lang="en-US" dirty="0" smtClean="0"/>
-              <a:t>Facial Key Points </a:t>
-            </a:r>
-            <a:r>
-              <a:rPr lang="en-US" dirty="0" smtClean="0"/>
-              <a:t>Detection</a:t>
+              <a:t>Study and Implementation on Facial Key Points Detection</a:t>
             </a:r>
             <a:endParaRPr lang="en-US" dirty="0"/>
           </a:p>
@@ -3030,28 +3046,51 @@
             <p:ph type="subTitle" idx="1"/>
           </p:nvPr>
         </p:nvSpPr>
-        <p:spPr/>
-        <p:txBody>
-          <a:bodyPr/>
-          <a:lstStyle/>
-          <a:p>
-            <a:r>
-              <a:rPr lang="en-US" dirty="0" smtClean="0"/>
-              <a:t>Md. </a:t>
-            </a:r>
-            <a:r>
-              <a:rPr lang="en-US" dirty="0" err="1" smtClean="0"/>
-              <a:t>Ikramul</a:t>
-            </a:r>
-            <a:r>
-              <a:rPr lang="en-US" dirty="0" smtClean="0"/>
-              <a:t> Murad</a:t>
-            </a:r>
-          </a:p>
-          <a:p>
-            <a:r>
-              <a:rPr lang="en-US" dirty="0" smtClean="0"/>
-              <a:t>Roll: 160009</a:t>
+        <p:spPr>
+          <a:xfrm>
+            <a:off x="1524000" y="3902483"/>
+            <a:ext cx="9144000" cy="1655762"/>
+          </a:xfrm>
+        </p:spPr>
+        <p:txBody>
+          <a:bodyPr>
+            <a:normAutofit lnSpcReduction="10000"/>
+          </a:bodyPr>
+          <a:lstStyle/>
+          <a:p>
+            <a:r>
+              <a:rPr lang="en-US" dirty="0" smtClean="0"/>
+              <a:t>Presented </a:t>
+            </a:r>
+            <a:r>
+              <a:rPr lang="en-US" dirty="0" smtClean="0"/>
+              <a:t>b</a:t>
+            </a:r>
+            <a:r>
+              <a:rPr lang="en-US" dirty="0" smtClean="0"/>
+              <a:t>y</a:t>
+            </a:r>
+          </a:p>
+          <a:p>
+            <a:r>
+              <a:rPr lang="en-US" dirty="0" smtClean="0"/>
+              <a:t>Md</a:t>
+            </a:r>
+            <a:r>
+              <a:rPr lang="en-US" dirty="0" smtClean="0"/>
+              <a:t>. Ikramul Murad</a:t>
+            </a:r>
+          </a:p>
+          <a:p>
+            <a:r>
+              <a:rPr lang="en-US" dirty="0" smtClean="0"/>
+              <a:t>Registration no: 15602000014</a:t>
+            </a:r>
+          </a:p>
+          <a:p>
+            <a:r>
+              <a:rPr lang="en-US" dirty="0" smtClean="0"/>
+              <a:t>Session: 2015-16</a:t>
             </a:r>
             <a:endParaRPr lang="en-US" dirty="0"/>
           </a:p>
@@ -3060,7 +3099,7 @@
     </p:spTree>
     <p:extLst>
       <p:ext uri="{BB962C8B-B14F-4D97-AF65-F5344CB8AC3E}">
-        <p14:creationId xmlns:p14="http://schemas.microsoft.com/office/powerpoint/2010/main" val="2244782301"/>
+        <p14:creationId xmlns:p14="http://schemas.microsoft.com/office/powerpoint/2010/main" xmlns="" val="2244782301"/>
       </p:ext>
     </p:extLst>
   </p:cSld>
@@ -3104,11 +3143,7 @@
           <a:p>
             <a:r>
               <a:rPr lang="en-US" dirty="0" smtClean="0"/>
-              <a:t>Deep </a:t>
-            </a:r>
-            <a:r>
-              <a:rPr lang="en-US" dirty="0" smtClean="0"/>
-              <a:t>Learning</a:t>
+              <a:t>Deep Learning</a:t>
             </a:r>
             <a:endParaRPr lang="en-US" dirty="0"/>
           </a:p>
@@ -3139,7 +3174,7 @@
     </p:spTree>
     <p:extLst>
       <p:ext uri="{BB962C8B-B14F-4D97-AF65-F5344CB8AC3E}">
-        <p14:creationId xmlns:p14="http://schemas.microsoft.com/office/powerpoint/2010/main" val="2796826813"/>
+        <p14:creationId xmlns:p14="http://schemas.microsoft.com/office/powerpoint/2010/main" xmlns="" val="2796826813"/>
       </p:ext>
     </p:extLst>
   </p:cSld>
@@ -3229,7 +3264,7 @@
     </p:spTree>
     <p:extLst>
       <p:ext uri="{BB962C8B-B14F-4D97-AF65-F5344CB8AC3E}">
-        <p14:creationId xmlns:p14="http://schemas.microsoft.com/office/powerpoint/2010/main" val="2354700059"/>
+        <p14:creationId xmlns:p14="http://schemas.microsoft.com/office/powerpoint/2010/main" xmlns="" val="2354700059"/>
       </p:ext>
     </p:extLst>
   </p:cSld>
@@ -3347,7 +3382,7 @@
     </p:spTree>
     <p:extLst>
       <p:ext uri="{BB962C8B-B14F-4D97-AF65-F5344CB8AC3E}">
-        <p14:creationId xmlns:p14="http://schemas.microsoft.com/office/powerpoint/2010/main" val="729312306"/>
+        <p14:creationId xmlns:p14="http://schemas.microsoft.com/office/powerpoint/2010/main" xmlns="" val="729312306"/>
       </p:ext>
     </p:extLst>
   </p:cSld>
@@ -3391,11 +3426,7 @@
           <a:p>
             <a:r>
               <a:rPr lang="en-US" dirty="0" smtClean="0"/>
-              <a:t>Workflow </a:t>
-            </a:r>
-            <a:r>
-              <a:rPr lang="en-US" dirty="0" smtClean="0"/>
-              <a:t>Diagram of the Proposed System</a:t>
+              <a:t>Workflow Diagram of the Proposed System</a:t>
             </a:r>
             <a:endParaRPr lang="en-US" dirty="0"/>
           </a:p>
@@ -3415,7 +3446,7 @@
           <a:blip r:embed="rId2">
             <a:extLst>
               <a:ext uri="{28A0092B-C50C-407E-A947-70E740481C1C}">
-                <a14:useLocalDpi xmlns:a14="http://schemas.microsoft.com/office/drawing/2010/main" val="0"/>
+                <a14:useLocalDpi xmlns:a14="http://schemas.microsoft.com/office/drawing/2010/main" xmlns="" val="0"/>
               </a:ext>
             </a:extLst>
           </a:blip>
@@ -3465,7 +3496,7 @@
     </p:spTree>
     <p:extLst>
       <p:ext uri="{BB962C8B-B14F-4D97-AF65-F5344CB8AC3E}">
-        <p14:creationId xmlns:p14="http://schemas.microsoft.com/office/powerpoint/2010/main" val="3568761768"/>
+        <p14:creationId xmlns:p14="http://schemas.microsoft.com/office/powerpoint/2010/main" xmlns="" val="3568761768"/>
       </p:ext>
     </p:extLst>
   </p:cSld>
@@ -3511,7 +3542,6 @@
               <a:rPr lang="en-US" dirty="0"/>
               <a:t>User Perspective Workflow</a:t>
             </a:r>
-            <a:endParaRPr lang="en-US" dirty="0"/>
           </a:p>
         </p:txBody>
       </p:sp>
@@ -3529,7 +3559,7 @@
           <a:blip r:embed="rId2">
             <a:extLst>
               <a:ext uri="{28A0092B-C50C-407E-A947-70E740481C1C}">
-                <a14:useLocalDpi xmlns:a14="http://schemas.microsoft.com/office/drawing/2010/main" val="0"/>
+                <a14:useLocalDpi xmlns:a14="http://schemas.microsoft.com/office/drawing/2010/main" xmlns="" val="0"/>
               </a:ext>
             </a:extLst>
           </a:blip>
@@ -3579,7 +3609,7 @@
     </p:spTree>
     <p:extLst>
       <p:ext uri="{BB962C8B-B14F-4D97-AF65-F5344CB8AC3E}">
-        <p14:creationId xmlns:p14="http://schemas.microsoft.com/office/powerpoint/2010/main" val="2418036204"/>
+        <p14:creationId xmlns:p14="http://schemas.microsoft.com/office/powerpoint/2010/main" xmlns="" val="2418036204"/>
       </p:ext>
     </p:extLst>
   </p:cSld>
@@ -3667,7 +3697,7 @@
     </p:spTree>
     <p:extLst>
       <p:ext uri="{BB962C8B-B14F-4D97-AF65-F5344CB8AC3E}">
-        <p14:creationId xmlns:p14="http://schemas.microsoft.com/office/powerpoint/2010/main" val="3222681847"/>
+        <p14:creationId xmlns:p14="http://schemas.microsoft.com/office/powerpoint/2010/main" xmlns="" val="3222681847"/>
       </p:ext>
     </p:extLst>
   </p:cSld>
@@ -3755,7 +3785,7 @@
     </p:spTree>
     <p:extLst>
       <p:ext uri="{BB962C8B-B14F-4D97-AF65-F5344CB8AC3E}">
-        <p14:creationId xmlns:p14="http://schemas.microsoft.com/office/powerpoint/2010/main" val="3097113009"/>
+        <p14:creationId xmlns:p14="http://schemas.microsoft.com/office/powerpoint/2010/main" xmlns="" val="3097113009"/>
       </p:ext>
     </p:extLst>
   </p:cSld>
@@ -3872,7 +3902,7 @@
     </p:spTree>
     <p:extLst>
       <p:ext uri="{BB962C8B-B14F-4D97-AF65-F5344CB8AC3E}">
-        <p14:creationId xmlns:p14="http://schemas.microsoft.com/office/powerpoint/2010/main" val="1841082748"/>
+        <p14:creationId xmlns:p14="http://schemas.microsoft.com/office/powerpoint/2010/main" xmlns="" val="1841082748"/>
       </p:ext>
     </p:extLst>
   </p:cSld>
@@ -4010,7 +4040,7 @@
     </p:spTree>
     <p:extLst>
       <p:ext uri="{BB962C8B-B14F-4D97-AF65-F5344CB8AC3E}">
-        <p14:creationId xmlns:p14="http://schemas.microsoft.com/office/powerpoint/2010/main" val="2497703504"/>
+        <p14:creationId xmlns:p14="http://schemas.microsoft.com/office/powerpoint/2010/main" xmlns="" val="2497703504"/>
       </p:ext>
     </p:extLst>
   </p:cSld>
@@ -4097,7 +4127,7 @@
     </p:spTree>
     <p:extLst>
       <p:ext uri="{BB962C8B-B14F-4D97-AF65-F5344CB8AC3E}">
-        <p14:creationId xmlns:p14="http://schemas.microsoft.com/office/powerpoint/2010/main" val="2407555941"/>
+        <p14:creationId xmlns:p14="http://schemas.microsoft.com/office/powerpoint/2010/main" xmlns="" val="2407555941"/>
       </p:ext>
     </p:extLst>
   </p:cSld>
@@ -4141,15 +4171,7 @@
           <a:p>
             <a:r>
               <a:rPr lang="en-US" dirty="0" smtClean="0"/>
-              <a:t>Facial </a:t>
-            </a:r>
-            <a:r>
-              <a:rPr lang="en-US" dirty="0" smtClean="0"/>
-              <a:t>Key Points </a:t>
-            </a:r>
-            <a:r>
-              <a:rPr lang="en-US" dirty="0" smtClean="0"/>
-              <a:t>Detection</a:t>
+              <a:t>Facial Key Points Detection</a:t>
             </a:r>
             <a:endParaRPr lang="en-US" dirty="0"/>
           </a:p>
@@ -4209,7 +4231,7 @@
     </p:spTree>
     <p:extLst>
       <p:ext uri="{BB962C8B-B14F-4D97-AF65-F5344CB8AC3E}">
-        <p14:creationId xmlns:p14="http://schemas.microsoft.com/office/powerpoint/2010/main" val="954628718"/>
+        <p14:creationId xmlns:p14="http://schemas.microsoft.com/office/powerpoint/2010/main" xmlns="" val="954628718"/>
       </p:ext>
     </p:extLst>
   </p:cSld>
@@ -4306,7 +4328,7 @@
     </p:spTree>
     <p:extLst>
       <p:ext uri="{BB962C8B-B14F-4D97-AF65-F5344CB8AC3E}">
-        <p14:creationId xmlns:p14="http://schemas.microsoft.com/office/powerpoint/2010/main" val="2144886551"/>
+        <p14:creationId xmlns:p14="http://schemas.microsoft.com/office/powerpoint/2010/main" xmlns="" val="2144886551"/>
       </p:ext>
     </p:extLst>
   </p:cSld>
@@ -4354,11 +4376,7 @@
             </a:r>
             <a:r>
               <a:rPr lang="en-US" dirty="0" smtClean="0"/>
-              <a:t>Existing Key </a:t>
-            </a:r>
-            <a:r>
-              <a:rPr lang="en-US" dirty="0" smtClean="0"/>
-              <a:t>Points Detection Algorithms</a:t>
+              <a:t>Existing Key Points Detection Algorithms</a:t>
             </a:r>
             <a:endParaRPr lang="en-US" dirty="0"/>
           </a:p>
@@ -4426,7 +4444,7 @@
     </p:spTree>
     <p:extLst>
       <p:ext uri="{BB962C8B-B14F-4D97-AF65-F5344CB8AC3E}">
-        <p14:creationId xmlns:p14="http://schemas.microsoft.com/office/powerpoint/2010/main" val="365186230"/>
+        <p14:creationId xmlns:p14="http://schemas.microsoft.com/office/powerpoint/2010/main" xmlns="" val="365186230"/>
       </p:ext>
     </p:extLst>
   </p:cSld>
@@ -4561,7 +4579,7 @@
     </p:spTree>
     <p:extLst>
       <p:ext uri="{BB962C8B-B14F-4D97-AF65-F5344CB8AC3E}">
-        <p14:creationId xmlns:p14="http://schemas.microsoft.com/office/powerpoint/2010/main" val="1028970369"/>
+        <p14:creationId xmlns:p14="http://schemas.microsoft.com/office/powerpoint/2010/main" xmlns="" val="1028970369"/>
       </p:ext>
     </p:extLst>
   </p:cSld>
@@ -4625,7 +4643,7 @@
           <a:blip r:embed="rId2">
             <a:extLst>
               <a:ext uri="{28A0092B-C50C-407E-A947-70E740481C1C}">
-                <a14:useLocalDpi xmlns:a14="http://schemas.microsoft.com/office/drawing/2010/main" val="0"/>
+                <a14:useLocalDpi xmlns:a14="http://schemas.microsoft.com/office/drawing/2010/main" xmlns="" val="0"/>
               </a:ext>
             </a:extLst>
           </a:blip>
@@ -4645,7 +4663,7 @@
           </a:ln>
           <a:extLst>
             <a:ext uri="{53640926-AAD7-44D8-BBD7-CCE9431645EC}">
-              <a14:shadowObscured xmlns:a14="http://schemas.microsoft.com/office/drawing/2010/main"/>
+              <a14:shadowObscured xmlns:a14="http://schemas.microsoft.com/office/drawing/2010/main" xmlns=""/>
             </a:ext>
           </a:extLst>
         </p:spPr>
@@ -4683,7 +4701,7 @@
     </p:spTree>
     <p:extLst>
       <p:ext uri="{BB962C8B-B14F-4D97-AF65-F5344CB8AC3E}">
-        <p14:creationId xmlns:p14="http://schemas.microsoft.com/office/powerpoint/2010/main" val="2166422093"/>
+        <p14:creationId xmlns:p14="http://schemas.microsoft.com/office/powerpoint/2010/main" xmlns="" val="2166422093"/>
       </p:ext>
     </p:extLst>
   </p:cSld>
@@ -4771,7 +4789,7 @@
     </p:spTree>
     <p:extLst>
       <p:ext uri="{BB962C8B-B14F-4D97-AF65-F5344CB8AC3E}">
-        <p14:creationId xmlns:p14="http://schemas.microsoft.com/office/powerpoint/2010/main" val="824410332"/>
+        <p14:creationId xmlns:p14="http://schemas.microsoft.com/office/powerpoint/2010/main" xmlns="" val="824410332"/>
       </p:ext>
     </p:extLst>
   </p:cSld>
@@ -4863,7 +4881,7 @@
     </p:spTree>
     <p:extLst>
       <p:ext uri="{BB962C8B-B14F-4D97-AF65-F5344CB8AC3E}">
-        <p14:creationId xmlns:p14="http://schemas.microsoft.com/office/powerpoint/2010/main" val="2289728502"/>
+        <p14:creationId xmlns:p14="http://schemas.microsoft.com/office/powerpoint/2010/main" xmlns="" val="2289728502"/>
       </p:ext>
     </p:extLst>
   </p:cSld>
@@ -4942,7 +4960,7 @@
     </p:spTree>
     <p:extLst>
       <p:ext uri="{BB962C8B-B14F-4D97-AF65-F5344CB8AC3E}">
-        <p14:creationId xmlns:p14="http://schemas.microsoft.com/office/powerpoint/2010/main" val="3167971022"/>
+        <p14:creationId xmlns:p14="http://schemas.microsoft.com/office/powerpoint/2010/main" xmlns="" val="3167971022"/>
       </p:ext>
     </p:extLst>
   </p:cSld>
@@ -4995,7 +5013,7 @@
     </a:clrScheme>
     <a:fontScheme name="Office">
       <a:majorFont>
-        <a:latin typeface="Calibri Light" panose="020F0302020204030204"/>
+        <a:latin typeface="Calibri Light"/>
         <a:ea typeface=""/>
         <a:cs typeface=""/>
         <a:font script="Jpan" typeface="ＭＳ Ｐゴシック"/>
@@ -5030,7 +5048,7 @@
         <a:font script="Geor" typeface="Sylfaen"/>
       </a:majorFont>
       <a:minorFont>
-        <a:latin typeface="Calibri" panose="020F0502020204030204"/>
+        <a:latin typeface="Calibri"/>
         <a:ea typeface=""/>
         <a:cs typeface=""/>
         <a:font script="Jpan" typeface="ＭＳ Ｐゴシック"/>
@@ -5207,7 +5225,7 @@
   <a:extraClrSchemeLst/>
   <a:extLst>
     <a:ext uri="{05A4C25C-085E-4340-85A3-A5531E510DB2}">
-      <thm15:themeFamily xmlns:thm15="http://schemas.microsoft.com/office/thememl/2012/main" name="Office Theme" id="{62F939B6-93AF-4DB8-9C6B-D6C7DFDC589F}" vid="{4A3C46E8-61CC-4603-A589-7422A47A8E4A}"/>
+      <thm15:themeFamily xmlns:thm15="http://schemas.microsoft.com/office/thememl/2012/main" xmlns="" name="Office Theme" id="{62F939B6-93AF-4DB8-9C6B-D6C7DFDC589F}" vid="{4A3C46E8-61CC-4603-A589-7422A47A8E4A}"/>
     </a:ext>
   </a:extLst>
 </a:theme>

--- a/Book/Facial Key-points Detection.pptx
+++ b/Book/Facial Key-points Detection.pptx
@@ -15,15 +15,24 @@
     <p:sldId id="274" r:id="rId9"/>
     <p:sldId id="262" r:id="rId10"/>
     <p:sldId id="263" r:id="rId11"/>
-    <p:sldId id="264" r:id="rId12"/>
-    <p:sldId id="265" r:id="rId13"/>
-    <p:sldId id="266" r:id="rId14"/>
-    <p:sldId id="267" r:id="rId15"/>
-    <p:sldId id="271" r:id="rId16"/>
-    <p:sldId id="272" r:id="rId17"/>
-    <p:sldId id="269" r:id="rId18"/>
-    <p:sldId id="270" r:id="rId19"/>
-    <p:sldId id="257" r:id="rId20"/>
+    <p:sldId id="282" r:id="rId12"/>
+    <p:sldId id="264" r:id="rId13"/>
+    <p:sldId id="276" r:id="rId14"/>
+    <p:sldId id="280" r:id="rId15"/>
+    <p:sldId id="279" r:id="rId16"/>
+    <p:sldId id="278" r:id="rId17"/>
+    <p:sldId id="285" r:id="rId18"/>
+    <p:sldId id="283" r:id="rId19"/>
+    <p:sldId id="284" r:id="rId20"/>
+    <p:sldId id="265" r:id="rId21"/>
+    <p:sldId id="266" r:id="rId22"/>
+    <p:sldId id="267" r:id="rId23"/>
+    <p:sldId id="286" r:id="rId24"/>
+    <p:sldId id="271" r:id="rId25"/>
+    <p:sldId id="272" r:id="rId26"/>
+    <p:sldId id="269" r:id="rId27"/>
+    <p:sldId id="270" r:id="rId28"/>
+    <p:sldId id="257" r:id="rId29"/>
   </p:sldIdLst>
   <p:sldSz cx="12192000" cy="6858000"/>
   <p:notesSz cx="6858000" cy="9144000"/>
@@ -262,7 +271,7 @@
             <a:fld id="{AFB43097-3C76-4A29-8348-AE08A1AA276C}" type="datetimeFigureOut">
               <a:rPr lang="en-US" smtClean="0"/>
               <a:pPr/>
-              <a:t>05-May-19</a:t>
+              <a:t>8/31/2019</a:t>
             </a:fld>
             <a:endParaRPr lang="en-US"/>
           </a:p>
@@ -434,7 +443,7 @@
             <a:fld id="{AFB43097-3C76-4A29-8348-AE08A1AA276C}" type="datetimeFigureOut">
               <a:rPr lang="en-US" smtClean="0"/>
               <a:pPr/>
-              <a:t>05-May-19</a:t>
+              <a:t>8/31/2019</a:t>
             </a:fld>
             <a:endParaRPr lang="en-US"/>
           </a:p>
@@ -616,7 +625,7 @@
             <a:fld id="{AFB43097-3C76-4A29-8348-AE08A1AA276C}" type="datetimeFigureOut">
               <a:rPr lang="en-US" smtClean="0"/>
               <a:pPr/>
-              <a:t>05-May-19</a:t>
+              <a:t>8/31/2019</a:t>
             </a:fld>
             <a:endParaRPr lang="en-US"/>
           </a:p>
@@ -788,7 +797,7 @@
             <a:fld id="{AFB43097-3C76-4A29-8348-AE08A1AA276C}" type="datetimeFigureOut">
               <a:rPr lang="en-US" smtClean="0"/>
               <a:pPr/>
-              <a:t>05-May-19</a:t>
+              <a:t>8/31/2019</a:t>
             </a:fld>
             <a:endParaRPr lang="en-US"/>
           </a:p>
@@ -1036,7 +1045,7 @@
             <a:fld id="{AFB43097-3C76-4A29-8348-AE08A1AA276C}" type="datetimeFigureOut">
               <a:rPr lang="en-US" smtClean="0"/>
               <a:pPr/>
-              <a:t>05-May-19</a:t>
+              <a:t>8/31/2019</a:t>
             </a:fld>
             <a:endParaRPr lang="en-US"/>
           </a:p>
@@ -1270,7 +1279,7 @@
             <a:fld id="{AFB43097-3C76-4A29-8348-AE08A1AA276C}" type="datetimeFigureOut">
               <a:rPr lang="en-US" smtClean="0"/>
               <a:pPr/>
-              <a:t>05-May-19</a:t>
+              <a:t>8/31/2019</a:t>
             </a:fld>
             <a:endParaRPr lang="en-US"/>
           </a:p>
@@ -1639,7 +1648,7 @@
             <a:fld id="{AFB43097-3C76-4A29-8348-AE08A1AA276C}" type="datetimeFigureOut">
               <a:rPr lang="en-US" smtClean="0"/>
               <a:pPr/>
-              <a:t>05-May-19</a:t>
+              <a:t>8/31/2019</a:t>
             </a:fld>
             <a:endParaRPr lang="en-US"/>
           </a:p>
@@ -1759,7 +1768,7 @@
             <a:fld id="{AFB43097-3C76-4A29-8348-AE08A1AA276C}" type="datetimeFigureOut">
               <a:rPr lang="en-US" smtClean="0"/>
               <a:pPr/>
-              <a:t>05-May-19</a:t>
+              <a:t>8/31/2019</a:t>
             </a:fld>
             <a:endParaRPr lang="en-US"/>
           </a:p>
@@ -1856,7 +1865,7 @@
             <a:fld id="{AFB43097-3C76-4A29-8348-AE08A1AA276C}" type="datetimeFigureOut">
               <a:rPr lang="en-US" smtClean="0"/>
               <a:pPr/>
-              <a:t>05-May-19</a:t>
+              <a:t>8/31/2019</a:t>
             </a:fld>
             <a:endParaRPr lang="en-US"/>
           </a:p>
@@ -2135,7 +2144,7 @@
             <a:fld id="{AFB43097-3C76-4A29-8348-AE08A1AA276C}" type="datetimeFigureOut">
               <a:rPr lang="en-US" smtClean="0"/>
               <a:pPr/>
-              <a:t>05-May-19</a:t>
+              <a:t>8/31/2019</a:t>
             </a:fld>
             <a:endParaRPr lang="en-US"/>
           </a:p>
@@ -2390,7 +2399,7 @@
             <a:fld id="{AFB43097-3C76-4A29-8348-AE08A1AA276C}" type="datetimeFigureOut">
               <a:rPr lang="en-US" smtClean="0"/>
               <a:pPr/>
-              <a:t>05-May-19</a:t>
+              <a:t>8/31/2019</a:t>
             </a:fld>
             <a:endParaRPr lang="en-US"/>
           </a:p>
@@ -2605,7 +2614,7 @@
             <a:fld id="{AFB43097-3C76-4A29-8348-AE08A1AA276C}" type="datetimeFigureOut">
               <a:rPr lang="en-US" smtClean="0"/>
               <a:pPr/>
-              <a:t>05-May-19</a:t>
+              <a:t>8/31/2019</a:t>
             </a:fld>
             <a:endParaRPr lang="en-US"/>
           </a:p>
@@ -3060,25 +3069,13 @@
           <a:p>
             <a:r>
               <a:rPr lang="en-US" dirty="0" smtClean="0"/>
-              <a:t>Presented </a:t>
-            </a:r>
-            <a:r>
-              <a:rPr lang="en-US" dirty="0" smtClean="0"/>
-              <a:t>b</a:t>
-            </a:r>
-            <a:r>
-              <a:rPr lang="en-US" dirty="0" smtClean="0"/>
-              <a:t>y</a:t>
-            </a:r>
-          </a:p>
-          <a:p>
-            <a:r>
-              <a:rPr lang="en-US" dirty="0" smtClean="0"/>
-              <a:t>Md</a:t>
-            </a:r>
-            <a:r>
-              <a:rPr lang="en-US" dirty="0" smtClean="0"/>
-              <a:t>. Ikramul Murad</a:t>
+              <a:t>Presented by</a:t>
+            </a:r>
+          </a:p>
+          <a:p>
+            <a:r>
+              <a:rPr lang="en-US" dirty="0" smtClean="0"/>
+              <a:t>Md. Ikramul Murad</a:t>
             </a:r>
           </a:p>
           <a:p>
@@ -3106,6 +3103,13 @@
   <p:clrMapOvr>
     <a:masterClrMapping/>
   </p:clrMapOvr>
+  <p:timing>
+    <p:tnLst>
+      <p:par>
+        <p:cTn id="1" dur="indefinite" restart="never" nodeType="tmRoot"/>
+      </p:par>
+    </p:tnLst>
+  </p:timing>
 </p:sld>
 </file>
 
@@ -3181,6 +3185,13 @@
   <p:clrMapOvr>
     <a:masterClrMapping/>
   </p:clrMapOvr>
+  <p:timing>
+    <p:tnLst>
+      <p:par>
+        <p:cTn id="1" dur="indefinite" restart="never" nodeType="tmRoot"/>
+      </p:par>
+    </p:tnLst>
+  </p:timing>
 </p:sld>
 </file>
 
@@ -3216,61 +3227,75 @@
           <a:bodyPr/>
           <a:lstStyle/>
           <a:p>
-            <a:r>
-              <a:rPr lang="en-US" dirty="0" smtClean="0"/>
-              <a:t>Convolutional </a:t>
-            </a:r>
-            <a:r>
-              <a:rPr lang="en-US" smtClean="0"/>
-              <a:t>Neural Network</a:t>
+            <a:endParaRPr lang="en-US"/>
+          </a:p>
+        </p:txBody>
+      </p:sp>
+      <p:pic>
+        <p:nvPicPr>
+          <p:cNvPr id="4" name="Content Placeholder 3" descr="DeepLearning.jpg"/>
+          <p:cNvPicPr>
+            <a:picLocks noGrp="1" noChangeAspect="1"/>
+          </p:cNvPicPr>
+          <p:nvPr>
+            <p:ph idx="1"/>
+          </p:nvPr>
+        </p:nvPicPr>
+        <p:blipFill>
+          <a:blip r:embed="rId2"/>
+          <a:stretch>
+            <a:fillRect/>
+          </a:stretch>
+        </p:blipFill>
+        <p:spPr>
+          <a:xfrm>
+            <a:off x="450940" y="0"/>
+            <a:ext cx="11423176" cy="5486400"/>
+          </a:xfrm>
+        </p:spPr>
+      </p:pic>
+      <p:sp>
+        <p:nvSpPr>
+          <p:cNvPr id="5" name="TextBox 4"/>
+          <p:cNvSpPr txBox="1"/>
+          <p:nvPr/>
+        </p:nvSpPr>
+        <p:spPr>
+          <a:xfrm>
+            <a:off x="4014439" y="5820937"/>
+            <a:ext cx="4448525" cy="369332"/>
+          </a:xfrm>
+          <a:prstGeom prst="rect">
+            <a:avLst/>
+          </a:prstGeom>
+          <a:noFill/>
+        </p:spPr>
+        <p:txBody>
+          <a:bodyPr wrap="none" rtlCol="0">
+            <a:spAutoFit/>
+          </a:bodyPr>
+          <a:lstStyle/>
+          <a:p>
+            <a:r>
+              <a:rPr lang="en-US" dirty="0" smtClean="0"/>
+              <a:t>Fig: Neural network and deep neural network</a:t>
             </a:r>
             <a:endParaRPr lang="en-US" dirty="0"/>
           </a:p>
         </p:txBody>
       </p:sp>
-      <p:sp>
-        <p:nvSpPr>
-          <p:cNvPr id="3" name="Content Placeholder 2"/>
-          <p:cNvSpPr>
-            <a:spLocks noGrp="1"/>
-          </p:cNvSpPr>
-          <p:nvPr>
-            <p:ph idx="1"/>
-          </p:nvPr>
-        </p:nvSpPr>
-        <p:spPr/>
-        <p:txBody>
-          <a:bodyPr/>
-          <a:lstStyle/>
-          <a:p>
-            <a:r>
-              <a:rPr lang="en-US" dirty="0"/>
-              <a:t>A convolutional neural network (CNN) is a type of artificial neural network used in image recognition and processing that is specifically designed to process pixel data.</a:t>
-            </a:r>
-          </a:p>
-          <a:p>
-            <a:r>
-              <a:rPr lang="en-US" dirty="0"/>
-              <a:t>CNNs are powerful image processing, artificial intelligence (AI) that use deep learning to perform both generative and descriptive tasks, often using computer vision that includes image and video </a:t>
-            </a:r>
-            <a:r>
-              <a:rPr lang="en-US" dirty="0" smtClean="0"/>
-              <a:t>recognition.</a:t>
-            </a:r>
-            <a:endParaRPr lang="en-US" dirty="0"/>
-          </a:p>
-        </p:txBody>
-      </p:sp>
     </p:spTree>
-    <p:extLst>
-      <p:ext uri="{BB962C8B-B14F-4D97-AF65-F5344CB8AC3E}">
-        <p14:creationId xmlns:p14="http://schemas.microsoft.com/office/powerpoint/2010/main" xmlns="" val="2354700059"/>
-      </p:ext>
-    </p:extLst>
   </p:cSld>
   <p:clrMapOvr>
     <a:masterClrMapping/>
   </p:clrMapOvr>
+  <p:timing>
+    <p:tnLst>
+      <p:par>
+        <p:cTn id="1" dur="indefinite" restart="never" nodeType="tmRoot"/>
+      </p:par>
+    </p:tnLst>
+  </p:timing>
 </p:sld>
 </file>
 
@@ -3307,6 +3332,964 @@
           <a:lstStyle/>
           <a:p>
             <a:r>
+              <a:rPr lang="en-US" dirty="0" smtClean="0"/>
+              <a:t>Convolutional </a:t>
+            </a:r>
+            <a:r>
+              <a:rPr lang="en-US" smtClean="0"/>
+              <a:t>Neural Network</a:t>
+            </a:r>
+            <a:endParaRPr lang="en-US" dirty="0"/>
+          </a:p>
+        </p:txBody>
+      </p:sp>
+      <p:sp>
+        <p:nvSpPr>
+          <p:cNvPr id="3" name="Content Placeholder 2"/>
+          <p:cNvSpPr>
+            <a:spLocks noGrp="1"/>
+          </p:cNvSpPr>
+          <p:nvPr>
+            <p:ph idx="1"/>
+          </p:nvPr>
+        </p:nvSpPr>
+        <p:spPr/>
+        <p:txBody>
+          <a:bodyPr/>
+          <a:lstStyle/>
+          <a:p>
+            <a:r>
+              <a:rPr lang="en-US" dirty="0"/>
+              <a:t>A convolutional neural network (CNN) is a type of artificial neural network used in image recognition and processing that is specifically designed to process pixel data.</a:t>
+            </a:r>
+          </a:p>
+          <a:p>
+            <a:r>
+              <a:rPr lang="en-US" dirty="0"/>
+              <a:t>CNNs are powerful image processing, artificial intelligence (AI) that use deep learning to perform both generative and descriptive tasks, often using computer vision that includes image and video </a:t>
+            </a:r>
+            <a:r>
+              <a:rPr lang="en-US" dirty="0" smtClean="0"/>
+              <a:t>recognition.</a:t>
+            </a:r>
+            <a:endParaRPr lang="en-US" dirty="0"/>
+          </a:p>
+        </p:txBody>
+      </p:sp>
+    </p:spTree>
+    <p:extLst>
+      <p:ext uri="{BB962C8B-B14F-4D97-AF65-F5344CB8AC3E}">
+        <p14:creationId xmlns:p14="http://schemas.microsoft.com/office/powerpoint/2010/main" xmlns="" val="2354700059"/>
+      </p:ext>
+    </p:extLst>
+  </p:cSld>
+  <p:clrMapOvr>
+    <a:masterClrMapping/>
+  </p:clrMapOvr>
+  <p:timing>
+    <p:tnLst>
+      <p:par>
+        <p:cTn id="1" dur="indefinite" restart="never" nodeType="tmRoot"/>
+      </p:par>
+    </p:tnLst>
+  </p:timing>
+</p:sld>
+</file>
+
+<file path=ppt/slides/slide13.xml><?xml version="1.0" encoding="utf-8"?>
+<p:sld xmlns:a="http://schemas.openxmlformats.org/drawingml/2006/main" xmlns:r="http://schemas.openxmlformats.org/officeDocument/2006/relationships" xmlns:p="http://schemas.openxmlformats.org/presentationml/2006/main">
+  <p:cSld>
+    <p:spTree>
+      <p:nvGrpSpPr>
+        <p:cNvPr id="1" name=""/>
+        <p:cNvGrpSpPr/>
+        <p:nvPr/>
+      </p:nvGrpSpPr>
+      <p:grpSpPr>
+        <a:xfrm>
+          <a:off x="0" y="0"/>
+          <a:ext cx="0" cy="0"/>
+          <a:chOff x="0" y="0"/>
+          <a:chExt cx="0" cy="0"/>
+        </a:xfrm>
+      </p:grpSpPr>
+      <p:sp>
+        <p:nvSpPr>
+          <p:cNvPr id="2" name="Title 1"/>
+          <p:cNvSpPr>
+            <a:spLocks noGrp="1"/>
+          </p:cNvSpPr>
+          <p:nvPr>
+            <p:ph type="title"/>
+          </p:nvPr>
+        </p:nvSpPr>
+        <p:spPr/>
+        <p:txBody>
+          <a:bodyPr/>
+          <a:lstStyle/>
+          <a:p>
+            <a:endParaRPr lang="en-US"/>
+          </a:p>
+        </p:txBody>
+      </p:sp>
+      <p:pic>
+        <p:nvPicPr>
+          <p:cNvPr id="4" name="Content Placeholder 3" descr="1_C55kkMQHSE1x9p2LdMf-DQ.png"/>
+          <p:cNvPicPr>
+            <a:picLocks noGrp="1" noChangeAspect="1"/>
+          </p:cNvPicPr>
+          <p:nvPr>
+            <p:ph idx="1"/>
+          </p:nvPr>
+        </p:nvPicPr>
+        <p:blipFill>
+          <a:blip r:embed="rId2"/>
+          <a:stretch>
+            <a:fillRect/>
+          </a:stretch>
+        </p:blipFill>
+        <p:spPr>
+          <a:xfrm>
+            <a:off x="3166946" y="401444"/>
+            <a:ext cx="4906537" cy="5709424"/>
+          </a:xfrm>
+        </p:spPr>
+      </p:pic>
+      <p:sp>
+        <p:nvSpPr>
+          <p:cNvPr id="5" name="TextBox 4"/>
+          <p:cNvSpPr txBox="1"/>
+          <p:nvPr/>
+        </p:nvSpPr>
+        <p:spPr>
+          <a:xfrm>
+            <a:off x="4572000" y="6200078"/>
+            <a:ext cx="1983556" cy="369332"/>
+          </a:xfrm>
+          <a:prstGeom prst="rect">
+            <a:avLst/>
+          </a:prstGeom>
+          <a:noFill/>
+        </p:spPr>
+        <p:txBody>
+          <a:bodyPr wrap="none" rtlCol="0">
+            <a:spAutoFit/>
+          </a:bodyPr>
+          <a:lstStyle/>
+          <a:p>
+            <a:r>
+              <a:rPr lang="en-US" dirty="0" smtClean="0"/>
+              <a:t>Fig: Example image</a:t>
+            </a:r>
+            <a:endParaRPr lang="en-US" dirty="0"/>
+          </a:p>
+        </p:txBody>
+      </p:sp>
+    </p:spTree>
+  </p:cSld>
+  <p:clrMapOvr>
+    <a:masterClrMapping/>
+  </p:clrMapOvr>
+  <p:timing>
+    <p:tnLst>
+      <p:par>
+        <p:cTn id="1" dur="indefinite" restart="never" nodeType="tmRoot"/>
+      </p:par>
+    </p:tnLst>
+  </p:timing>
+</p:sld>
+</file>
+
+<file path=ppt/slides/slide14.xml><?xml version="1.0" encoding="utf-8"?>
+<p:sld xmlns:a="http://schemas.openxmlformats.org/drawingml/2006/main" xmlns:r="http://schemas.openxmlformats.org/officeDocument/2006/relationships" xmlns:p="http://schemas.openxmlformats.org/presentationml/2006/main">
+  <p:cSld>
+    <p:spTree>
+      <p:nvGrpSpPr>
+        <p:cNvPr id="1" name=""/>
+        <p:cNvGrpSpPr/>
+        <p:nvPr/>
+      </p:nvGrpSpPr>
+      <p:grpSpPr>
+        <a:xfrm>
+          <a:off x="0" y="0"/>
+          <a:ext cx="0" cy="0"/>
+          <a:chOff x="0" y="0"/>
+          <a:chExt cx="0" cy="0"/>
+        </a:xfrm>
+      </p:grpSpPr>
+      <p:sp>
+        <p:nvSpPr>
+          <p:cNvPr id="2" name="Title 1"/>
+          <p:cNvSpPr>
+            <a:spLocks noGrp="1"/>
+          </p:cNvSpPr>
+          <p:nvPr>
+            <p:ph type="title"/>
+          </p:nvPr>
+        </p:nvSpPr>
+        <p:spPr/>
+        <p:txBody>
+          <a:bodyPr/>
+          <a:lstStyle/>
+          <a:p>
+            <a:endParaRPr lang="en-US"/>
+          </a:p>
+        </p:txBody>
+      </p:sp>
+      <p:pic>
+        <p:nvPicPr>
+          <p:cNvPr id="4" name="Content Placeholder 3" descr="1_C55kkMQHSE1x9p2LdMf-DQ.png"/>
+          <p:cNvPicPr>
+            <a:picLocks noGrp="1" noChangeAspect="1"/>
+          </p:cNvPicPr>
+          <p:nvPr>
+            <p:ph idx="1"/>
+          </p:nvPr>
+        </p:nvPicPr>
+        <p:blipFill>
+          <a:blip r:embed="rId2"/>
+          <a:stretch>
+            <a:fillRect/>
+          </a:stretch>
+        </p:blipFill>
+        <p:spPr>
+          <a:xfrm>
+            <a:off x="3189248" y="379142"/>
+            <a:ext cx="5887845" cy="5299060"/>
+          </a:xfrm>
+        </p:spPr>
+      </p:pic>
+      <p:sp>
+        <p:nvSpPr>
+          <p:cNvPr id="5" name="TextBox 4"/>
+          <p:cNvSpPr txBox="1"/>
+          <p:nvPr/>
+        </p:nvSpPr>
+        <p:spPr>
+          <a:xfrm>
+            <a:off x="4304371" y="6088566"/>
+            <a:ext cx="2438873" cy="369332"/>
+          </a:xfrm>
+          <a:prstGeom prst="rect">
+            <a:avLst/>
+          </a:prstGeom>
+          <a:noFill/>
+        </p:spPr>
+        <p:txBody>
+          <a:bodyPr wrap="none" rtlCol="0">
+            <a:spAutoFit/>
+          </a:bodyPr>
+          <a:lstStyle/>
+          <a:p>
+            <a:r>
+              <a:rPr lang="en-US" dirty="0" smtClean="0"/>
+              <a:t>Fig: Using filter in image</a:t>
+            </a:r>
+            <a:endParaRPr lang="en-US" dirty="0"/>
+          </a:p>
+        </p:txBody>
+      </p:sp>
+    </p:spTree>
+  </p:cSld>
+  <p:clrMapOvr>
+    <a:masterClrMapping/>
+  </p:clrMapOvr>
+  <p:timing>
+    <p:tnLst>
+      <p:par>
+        <p:cTn id="1" dur="indefinite" restart="never" nodeType="tmRoot"/>
+      </p:par>
+    </p:tnLst>
+  </p:timing>
+</p:sld>
+</file>
+
+<file path=ppt/slides/slide15.xml><?xml version="1.0" encoding="utf-8"?>
+<p:sld xmlns:a="http://schemas.openxmlformats.org/drawingml/2006/main" xmlns:r="http://schemas.openxmlformats.org/officeDocument/2006/relationships" xmlns:p="http://schemas.openxmlformats.org/presentationml/2006/main">
+  <p:cSld>
+    <p:spTree>
+      <p:nvGrpSpPr>
+        <p:cNvPr id="1" name=""/>
+        <p:cNvGrpSpPr/>
+        <p:nvPr/>
+      </p:nvGrpSpPr>
+      <p:grpSpPr>
+        <a:xfrm>
+          <a:off x="0" y="0"/>
+          <a:ext cx="0" cy="0"/>
+          <a:chOff x="0" y="0"/>
+          <a:chExt cx="0" cy="0"/>
+        </a:xfrm>
+      </p:grpSpPr>
+      <p:sp>
+        <p:nvSpPr>
+          <p:cNvPr id="2" name="Title 1"/>
+          <p:cNvSpPr>
+            <a:spLocks noGrp="1"/>
+          </p:cNvSpPr>
+          <p:nvPr>
+            <p:ph type="title"/>
+          </p:nvPr>
+        </p:nvSpPr>
+        <p:spPr/>
+        <p:txBody>
+          <a:bodyPr/>
+          <a:lstStyle/>
+          <a:p>
+            <a:endParaRPr lang="en-US"/>
+          </a:p>
+        </p:txBody>
+      </p:sp>
+      <p:pic>
+        <p:nvPicPr>
+          <p:cNvPr id="4" name="Content Placeholder 3" descr="1_3sfzVenrdS5MWGsmSCbx3A.png"/>
+          <p:cNvPicPr>
+            <a:picLocks noGrp="1" noChangeAspect="1"/>
+          </p:cNvPicPr>
+          <p:nvPr>
+            <p:ph idx="1"/>
+          </p:nvPr>
+        </p:nvPicPr>
+        <p:blipFill>
+          <a:blip r:embed="rId2"/>
+          <a:stretch>
+            <a:fillRect/>
+          </a:stretch>
+        </p:blipFill>
+        <p:spPr>
+          <a:xfrm>
+            <a:off x="1185397" y="345203"/>
+            <a:ext cx="9999149" cy="4672845"/>
+          </a:xfrm>
+        </p:spPr>
+      </p:pic>
+      <p:sp>
+        <p:nvSpPr>
+          <p:cNvPr id="5" name="TextBox 4"/>
+          <p:cNvSpPr txBox="1"/>
+          <p:nvPr/>
+        </p:nvSpPr>
+        <p:spPr>
+          <a:xfrm>
+            <a:off x="4661210" y="5731727"/>
+            <a:ext cx="2940292" cy="369332"/>
+          </a:xfrm>
+          <a:prstGeom prst="rect">
+            <a:avLst/>
+          </a:prstGeom>
+          <a:noFill/>
+        </p:spPr>
+        <p:txBody>
+          <a:bodyPr wrap="none" rtlCol="0">
+            <a:spAutoFit/>
+          </a:bodyPr>
+          <a:lstStyle/>
+          <a:p>
+            <a:r>
+              <a:rPr lang="en-US" dirty="0" smtClean="0"/>
+              <a:t>Fig: Traverse filter over image</a:t>
+            </a:r>
+            <a:endParaRPr lang="en-US" dirty="0"/>
+          </a:p>
+        </p:txBody>
+      </p:sp>
+    </p:spTree>
+  </p:cSld>
+  <p:clrMapOvr>
+    <a:masterClrMapping/>
+  </p:clrMapOvr>
+  <p:timing>
+    <p:tnLst>
+      <p:par>
+        <p:cTn id="1" dur="indefinite" restart="never" nodeType="tmRoot"/>
+      </p:par>
+    </p:tnLst>
+  </p:timing>
+</p:sld>
+</file>
+
+<file path=ppt/slides/slide16.xml><?xml version="1.0" encoding="utf-8"?>
+<p:sld xmlns:a="http://schemas.openxmlformats.org/drawingml/2006/main" xmlns:r="http://schemas.openxmlformats.org/officeDocument/2006/relationships" xmlns:p="http://schemas.openxmlformats.org/presentationml/2006/main">
+  <p:cSld>
+    <p:spTree>
+      <p:nvGrpSpPr>
+        <p:cNvPr id="1" name=""/>
+        <p:cNvGrpSpPr/>
+        <p:nvPr/>
+      </p:nvGrpSpPr>
+      <p:grpSpPr>
+        <a:xfrm>
+          <a:off x="0" y="0"/>
+          <a:ext cx="0" cy="0"/>
+          <a:chOff x="0" y="0"/>
+          <a:chExt cx="0" cy="0"/>
+        </a:xfrm>
+      </p:grpSpPr>
+      <p:sp>
+        <p:nvSpPr>
+          <p:cNvPr id="2" name="Title 1"/>
+          <p:cNvSpPr>
+            <a:spLocks noGrp="1"/>
+          </p:cNvSpPr>
+          <p:nvPr>
+            <p:ph type="title"/>
+          </p:nvPr>
+        </p:nvSpPr>
+        <p:spPr/>
+        <p:txBody>
+          <a:bodyPr/>
+          <a:lstStyle/>
+          <a:p>
+            <a:endParaRPr lang="en-US"/>
+          </a:p>
+        </p:txBody>
+      </p:sp>
+      <p:pic>
+        <p:nvPicPr>
+          <p:cNvPr id="4" name="Content Placeholder 3" descr="1_mcBbGiV8ne9NhF3SlpjAsA.png"/>
+          <p:cNvPicPr>
+            <a:picLocks noGrp="1" noChangeAspect="1"/>
+          </p:cNvPicPr>
+          <p:nvPr>
+            <p:ph idx="1"/>
+          </p:nvPr>
+        </p:nvPicPr>
+        <p:blipFill>
+          <a:blip r:embed="rId2"/>
+          <a:stretch>
+            <a:fillRect/>
+          </a:stretch>
+        </p:blipFill>
+        <p:spPr>
+          <a:xfrm>
+            <a:off x="1052396" y="347991"/>
+            <a:ext cx="9762506" cy="4536243"/>
+          </a:xfrm>
+        </p:spPr>
+      </p:pic>
+      <p:sp>
+        <p:nvSpPr>
+          <p:cNvPr id="5" name="TextBox 4"/>
+          <p:cNvSpPr txBox="1"/>
+          <p:nvPr/>
+        </p:nvSpPr>
+        <p:spPr>
+          <a:xfrm>
+            <a:off x="4103649" y="5754029"/>
+            <a:ext cx="2828403" cy="369332"/>
+          </a:xfrm>
+          <a:prstGeom prst="rect">
+            <a:avLst/>
+          </a:prstGeom>
+          <a:noFill/>
+        </p:spPr>
+        <p:txBody>
+          <a:bodyPr wrap="none" rtlCol="0">
+            <a:spAutoFit/>
+          </a:bodyPr>
+          <a:lstStyle/>
+          <a:p>
+            <a:r>
+              <a:rPr lang="en-US" dirty="0" smtClean="0"/>
+              <a:t>Fig: New filtered input entry</a:t>
+            </a:r>
+            <a:endParaRPr lang="en-US" dirty="0"/>
+          </a:p>
+        </p:txBody>
+      </p:sp>
+    </p:spTree>
+  </p:cSld>
+  <p:clrMapOvr>
+    <a:masterClrMapping/>
+  </p:clrMapOvr>
+  <p:timing>
+    <p:tnLst>
+      <p:par>
+        <p:cTn id="1" dur="indefinite" restart="never" nodeType="tmRoot"/>
+      </p:par>
+    </p:tnLst>
+  </p:timing>
+</p:sld>
+</file>
+
+<file path=ppt/slides/slide17.xml><?xml version="1.0" encoding="utf-8"?>
+<p:sld xmlns:a="http://schemas.openxmlformats.org/drawingml/2006/main" xmlns:r="http://schemas.openxmlformats.org/officeDocument/2006/relationships" xmlns:p="http://schemas.openxmlformats.org/presentationml/2006/main">
+  <p:cSld>
+    <p:spTree>
+      <p:nvGrpSpPr>
+        <p:cNvPr id="1" name=""/>
+        <p:cNvGrpSpPr/>
+        <p:nvPr/>
+      </p:nvGrpSpPr>
+      <p:grpSpPr>
+        <a:xfrm>
+          <a:off x="0" y="0"/>
+          <a:ext cx="0" cy="0"/>
+          <a:chOff x="0" y="0"/>
+          <a:chExt cx="0" cy="0"/>
+        </a:xfrm>
+      </p:grpSpPr>
+      <p:sp>
+        <p:nvSpPr>
+          <p:cNvPr id="2" name="Title 1"/>
+          <p:cNvSpPr>
+            <a:spLocks noGrp="1"/>
+          </p:cNvSpPr>
+          <p:nvPr>
+            <p:ph type="title"/>
+          </p:nvPr>
+        </p:nvSpPr>
+        <p:spPr/>
+        <p:txBody>
+          <a:bodyPr/>
+          <a:lstStyle/>
+          <a:p>
+            <a:endParaRPr lang="en-US"/>
+          </a:p>
+        </p:txBody>
+      </p:sp>
+      <p:sp>
+        <p:nvSpPr>
+          <p:cNvPr id="3" name="Content Placeholder 2"/>
+          <p:cNvSpPr>
+            <a:spLocks noGrp="1"/>
+          </p:cNvSpPr>
+          <p:nvPr>
+            <p:ph idx="1"/>
+          </p:nvPr>
+        </p:nvSpPr>
+        <p:spPr/>
+        <p:txBody>
+          <a:bodyPr/>
+          <a:lstStyle/>
+          <a:p>
+            <a:endParaRPr lang="en-US"/>
+          </a:p>
+        </p:txBody>
+      </p:sp>
+      <p:pic>
+        <p:nvPicPr>
+          <p:cNvPr id="1026" name="Picture 2" descr="C:\Users\IST_LAB1\Downloads\1_jU_Mp73fXzh9_ffvtnbrDQ.png"/>
+          <p:cNvPicPr>
+            <a:picLocks noChangeAspect="1" noChangeArrowheads="1"/>
+          </p:cNvPicPr>
+          <p:nvPr/>
+        </p:nvPicPr>
+        <p:blipFill>
+          <a:blip r:embed="rId2"/>
+          <a:srcRect/>
+          <a:stretch>
+            <a:fillRect/>
+          </a:stretch>
+        </p:blipFill>
+        <p:spPr bwMode="auto">
+          <a:xfrm>
+            <a:off x="1313442" y="400282"/>
+            <a:ext cx="9637055" cy="5229865"/>
+          </a:xfrm>
+          <a:prstGeom prst="rect">
+            <a:avLst/>
+          </a:prstGeom>
+          <a:noFill/>
+        </p:spPr>
+      </p:pic>
+      <p:sp>
+        <p:nvSpPr>
+          <p:cNvPr id="5" name="TextBox 4"/>
+          <p:cNvSpPr txBox="1"/>
+          <p:nvPr/>
+        </p:nvSpPr>
+        <p:spPr>
+          <a:xfrm>
+            <a:off x="5218771" y="6043961"/>
+            <a:ext cx="1720023" cy="369332"/>
+          </a:xfrm>
+          <a:prstGeom prst="rect">
+            <a:avLst/>
+          </a:prstGeom>
+          <a:noFill/>
+        </p:spPr>
+        <p:txBody>
+          <a:bodyPr wrap="none" rtlCol="0">
+            <a:spAutoFit/>
+          </a:bodyPr>
+          <a:lstStyle/>
+          <a:p>
+            <a:r>
+              <a:rPr lang="en-US" dirty="0" smtClean="0"/>
+              <a:t>Fig: Max Pooling</a:t>
+            </a:r>
+            <a:endParaRPr lang="en-US" dirty="0"/>
+          </a:p>
+        </p:txBody>
+      </p:sp>
+    </p:spTree>
+  </p:cSld>
+  <p:clrMapOvr>
+    <a:masterClrMapping/>
+  </p:clrMapOvr>
+  <p:timing>
+    <p:tnLst>
+      <p:par>
+        <p:cTn id="1" dur="indefinite" restart="never" nodeType="tmRoot"/>
+      </p:par>
+    </p:tnLst>
+  </p:timing>
+</p:sld>
+</file>
+
+<file path=ppt/slides/slide18.xml><?xml version="1.0" encoding="utf-8"?>
+<p:sld xmlns:a="http://schemas.openxmlformats.org/drawingml/2006/main" xmlns:r="http://schemas.openxmlformats.org/officeDocument/2006/relationships" xmlns:p="http://schemas.openxmlformats.org/presentationml/2006/main">
+  <p:cSld>
+    <p:spTree>
+      <p:nvGrpSpPr>
+        <p:cNvPr id="1" name=""/>
+        <p:cNvGrpSpPr/>
+        <p:nvPr/>
+      </p:nvGrpSpPr>
+      <p:grpSpPr>
+        <a:xfrm>
+          <a:off x="0" y="0"/>
+          <a:ext cx="0" cy="0"/>
+          <a:chOff x="0" y="0"/>
+          <a:chExt cx="0" cy="0"/>
+        </a:xfrm>
+      </p:grpSpPr>
+      <p:sp>
+        <p:nvSpPr>
+          <p:cNvPr id="2" name="Title 1"/>
+          <p:cNvSpPr>
+            <a:spLocks noGrp="1"/>
+          </p:cNvSpPr>
+          <p:nvPr>
+            <p:ph type="title"/>
+          </p:nvPr>
+        </p:nvSpPr>
+        <p:spPr/>
+        <p:txBody>
+          <a:bodyPr/>
+          <a:lstStyle/>
+          <a:p>
+            <a:endParaRPr lang="en-US"/>
+          </a:p>
+        </p:txBody>
+      </p:sp>
+      <p:pic>
+        <p:nvPicPr>
+          <p:cNvPr id="4" name="Content Placeholder 3" descr="cnn.png"/>
+          <p:cNvPicPr>
+            <a:picLocks noGrp="1" noChangeAspect="1"/>
+          </p:cNvPicPr>
+          <p:nvPr>
+            <p:ph idx="1"/>
+          </p:nvPr>
+        </p:nvPicPr>
+        <p:blipFill>
+          <a:blip r:embed="rId2"/>
+          <a:stretch>
+            <a:fillRect/>
+          </a:stretch>
+        </p:blipFill>
+        <p:spPr>
+          <a:xfrm>
+            <a:off x="683739" y="364625"/>
+            <a:ext cx="10534388" cy="5057795"/>
+          </a:xfrm>
+        </p:spPr>
+      </p:pic>
+      <p:sp>
+        <p:nvSpPr>
+          <p:cNvPr id="5" name="TextBox 4"/>
+          <p:cNvSpPr txBox="1"/>
+          <p:nvPr/>
+        </p:nvSpPr>
+        <p:spPr>
+          <a:xfrm>
+            <a:off x="4728117" y="5932449"/>
+            <a:ext cx="2284600" cy="369332"/>
+          </a:xfrm>
+          <a:prstGeom prst="rect">
+            <a:avLst/>
+          </a:prstGeom>
+          <a:noFill/>
+        </p:spPr>
+        <p:txBody>
+          <a:bodyPr wrap="none" rtlCol="0">
+            <a:spAutoFit/>
+          </a:bodyPr>
+          <a:lstStyle/>
+          <a:p>
+            <a:r>
+              <a:rPr lang="en-US" dirty="0" smtClean="0"/>
+              <a:t>Fig: Feature extraction</a:t>
+            </a:r>
+            <a:endParaRPr lang="en-US" dirty="0"/>
+          </a:p>
+        </p:txBody>
+      </p:sp>
+    </p:spTree>
+  </p:cSld>
+  <p:clrMapOvr>
+    <a:masterClrMapping/>
+  </p:clrMapOvr>
+  <p:timing>
+    <p:tnLst>
+      <p:par>
+        <p:cTn id="1" dur="indefinite" restart="never" nodeType="tmRoot"/>
+      </p:par>
+    </p:tnLst>
+  </p:timing>
+</p:sld>
+</file>
+
+<file path=ppt/slides/slide19.xml><?xml version="1.0" encoding="utf-8"?>
+<p:sld xmlns:a="http://schemas.openxmlformats.org/drawingml/2006/main" xmlns:r="http://schemas.openxmlformats.org/officeDocument/2006/relationships" xmlns:p="http://schemas.openxmlformats.org/presentationml/2006/main">
+  <p:cSld>
+    <p:spTree>
+      <p:nvGrpSpPr>
+        <p:cNvPr id="1" name=""/>
+        <p:cNvGrpSpPr/>
+        <p:nvPr/>
+      </p:nvGrpSpPr>
+      <p:grpSpPr>
+        <a:xfrm>
+          <a:off x="0" y="0"/>
+          <a:ext cx="0" cy="0"/>
+          <a:chOff x="0" y="0"/>
+          <a:chExt cx="0" cy="0"/>
+        </a:xfrm>
+      </p:grpSpPr>
+      <p:sp>
+        <p:nvSpPr>
+          <p:cNvPr id="2" name="Title 1"/>
+          <p:cNvSpPr>
+            <a:spLocks noGrp="1"/>
+          </p:cNvSpPr>
+          <p:nvPr>
+            <p:ph type="title"/>
+          </p:nvPr>
+        </p:nvSpPr>
+        <p:spPr/>
+        <p:txBody>
+          <a:bodyPr/>
+          <a:lstStyle/>
+          <a:p>
+            <a:endParaRPr lang="en-US"/>
+          </a:p>
+        </p:txBody>
+      </p:sp>
+      <p:pic>
+        <p:nvPicPr>
+          <p:cNvPr id="4" name="Content Placeholder 3" descr="0_UkPWrIULNLgcXv6q.jpg"/>
+          <p:cNvPicPr>
+            <a:picLocks noGrp="1" noChangeAspect="1"/>
+          </p:cNvPicPr>
+          <p:nvPr>
+            <p:ph idx="1"/>
+          </p:nvPr>
+        </p:nvPicPr>
+        <p:blipFill>
+          <a:blip r:embed="rId2"/>
+          <a:stretch>
+            <a:fillRect/>
+          </a:stretch>
+        </p:blipFill>
+        <p:spPr>
+          <a:xfrm>
+            <a:off x="503664" y="691375"/>
+            <a:ext cx="11225560" cy="3367668"/>
+          </a:xfrm>
+        </p:spPr>
+      </p:pic>
+      <p:sp>
+        <p:nvSpPr>
+          <p:cNvPr id="5" name="TextBox 4"/>
+          <p:cNvSpPr txBox="1"/>
+          <p:nvPr/>
+        </p:nvSpPr>
+        <p:spPr>
+          <a:xfrm>
+            <a:off x="4906537" y="5018049"/>
+            <a:ext cx="2509661" cy="369332"/>
+          </a:xfrm>
+          <a:prstGeom prst="rect">
+            <a:avLst/>
+          </a:prstGeom>
+          <a:noFill/>
+        </p:spPr>
+        <p:txBody>
+          <a:bodyPr wrap="none" rtlCol="0">
+            <a:spAutoFit/>
+          </a:bodyPr>
+          <a:lstStyle/>
+          <a:p>
+            <a:r>
+              <a:rPr lang="en-US" dirty="0" smtClean="0"/>
+              <a:t>Fig: Layer representation</a:t>
+            </a:r>
+            <a:endParaRPr lang="en-US" dirty="0"/>
+          </a:p>
+        </p:txBody>
+      </p:sp>
+    </p:spTree>
+  </p:cSld>
+  <p:clrMapOvr>
+    <a:masterClrMapping/>
+  </p:clrMapOvr>
+  <p:timing>
+    <p:tnLst>
+      <p:par>
+        <p:cTn id="1" dur="indefinite" restart="never" nodeType="tmRoot"/>
+      </p:par>
+    </p:tnLst>
+  </p:timing>
+</p:sld>
+</file>
+
+<file path=ppt/slides/slide2.xml><?xml version="1.0" encoding="utf-8"?>
+<p:sld xmlns:a="http://schemas.openxmlformats.org/drawingml/2006/main" xmlns:r="http://schemas.openxmlformats.org/officeDocument/2006/relationships" xmlns:p="http://schemas.openxmlformats.org/presentationml/2006/main">
+  <p:cSld>
+    <p:spTree>
+      <p:nvGrpSpPr>
+        <p:cNvPr id="1" name=""/>
+        <p:cNvGrpSpPr/>
+        <p:nvPr/>
+      </p:nvGrpSpPr>
+      <p:grpSpPr>
+        <a:xfrm>
+          <a:off x="0" y="0"/>
+          <a:ext cx="0" cy="0"/>
+          <a:chOff x="0" y="0"/>
+          <a:chExt cx="0" cy="0"/>
+        </a:xfrm>
+      </p:grpSpPr>
+      <p:sp>
+        <p:nvSpPr>
+          <p:cNvPr id="2" name="Title 1"/>
+          <p:cNvSpPr>
+            <a:spLocks noGrp="1"/>
+          </p:cNvSpPr>
+          <p:nvPr>
+            <p:ph type="title"/>
+          </p:nvPr>
+        </p:nvSpPr>
+        <p:spPr/>
+        <p:txBody>
+          <a:bodyPr/>
+          <a:lstStyle/>
+          <a:p>
+            <a:r>
+              <a:rPr lang="en-US" dirty="0" smtClean="0"/>
+              <a:t>Facial Key Points Detection</a:t>
+            </a:r>
+            <a:endParaRPr lang="en-US" dirty="0"/>
+          </a:p>
+        </p:txBody>
+      </p:sp>
+      <p:sp>
+        <p:nvSpPr>
+          <p:cNvPr id="3" name="Content Placeholder 2"/>
+          <p:cNvSpPr>
+            <a:spLocks noGrp="1"/>
+          </p:cNvSpPr>
+          <p:nvPr>
+            <p:ph idx="1"/>
+          </p:nvPr>
+        </p:nvSpPr>
+        <p:spPr/>
+        <p:txBody>
+          <a:bodyPr/>
+          <a:lstStyle/>
+          <a:p>
+            <a:r>
+              <a:rPr lang="en-US" dirty="0"/>
+              <a:t>Facial key points detection </a:t>
+            </a:r>
+            <a:r>
+              <a:rPr lang="en-US" dirty="0" smtClean="0"/>
+              <a:t>is </a:t>
+            </a:r>
+            <a:r>
+              <a:rPr lang="en-US" dirty="0"/>
+              <a:t>a computer technology that is being applied for many different applications that require the identification of human faces in digital images or video.</a:t>
+            </a:r>
+            <a:endParaRPr lang="en-US" dirty="0" smtClean="0"/>
+          </a:p>
+          <a:p>
+            <a:r>
+              <a:rPr lang="en-US" dirty="0"/>
+              <a:t>Detecting facial key points is a very challenging </a:t>
+            </a:r>
+            <a:r>
+              <a:rPr lang="en-US" dirty="0" smtClean="0"/>
+              <a:t>problem.</a:t>
+            </a:r>
+          </a:p>
+          <a:p>
+            <a:r>
+              <a:rPr lang="en-US" dirty="0" smtClean="0"/>
+              <a:t>Due </a:t>
+            </a:r>
+            <a:r>
+              <a:rPr lang="en-US" dirty="0"/>
+              <a:t>to 3D pose, size, position, viewing angle, and illumination conditions.</a:t>
+            </a:r>
+          </a:p>
+        </p:txBody>
+      </p:sp>
+    </p:spTree>
+    <p:extLst>
+      <p:ext uri="{BB962C8B-B14F-4D97-AF65-F5344CB8AC3E}">
+        <p14:creationId xmlns:p14="http://schemas.microsoft.com/office/powerpoint/2010/main" xmlns="" val="954628718"/>
+      </p:ext>
+    </p:extLst>
+  </p:cSld>
+  <p:clrMapOvr>
+    <a:masterClrMapping/>
+  </p:clrMapOvr>
+  <p:timing>
+    <p:tnLst>
+      <p:par>
+        <p:cTn id="1" dur="indefinite" restart="never" nodeType="tmRoot"/>
+      </p:par>
+    </p:tnLst>
+  </p:timing>
+</p:sld>
+</file>
+
+<file path=ppt/slides/slide20.xml><?xml version="1.0" encoding="utf-8"?>
+<p:sld xmlns:a="http://schemas.openxmlformats.org/drawingml/2006/main" xmlns:r="http://schemas.openxmlformats.org/officeDocument/2006/relationships" xmlns:p="http://schemas.openxmlformats.org/presentationml/2006/main">
+  <p:cSld>
+    <p:spTree>
+      <p:nvGrpSpPr>
+        <p:cNvPr id="1" name=""/>
+        <p:cNvGrpSpPr/>
+        <p:nvPr/>
+      </p:nvGrpSpPr>
+      <p:grpSpPr>
+        <a:xfrm>
+          <a:off x="0" y="0"/>
+          <a:ext cx="0" cy="0"/>
+          <a:chOff x="0" y="0"/>
+          <a:chExt cx="0" cy="0"/>
+        </a:xfrm>
+      </p:grpSpPr>
+      <p:sp>
+        <p:nvSpPr>
+          <p:cNvPr id="2" name="Title 1"/>
+          <p:cNvSpPr>
+            <a:spLocks noGrp="1"/>
+          </p:cNvSpPr>
+          <p:nvPr>
+            <p:ph type="title"/>
+          </p:nvPr>
+        </p:nvSpPr>
+        <p:spPr/>
+        <p:txBody>
+          <a:bodyPr/>
+          <a:lstStyle/>
+          <a:p>
+            <a:r>
               <a:rPr lang="en-US" dirty="0"/>
               <a:t>Proposed ML based </a:t>
             </a:r>
@@ -3389,10 +4372,17 @@
   <p:clrMapOvr>
     <a:masterClrMapping/>
   </p:clrMapOvr>
+  <p:timing>
+    <p:tnLst>
+      <p:par>
+        <p:cTn id="1" dur="indefinite" restart="never" nodeType="tmRoot"/>
+      </p:par>
+    </p:tnLst>
+  </p:timing>
 </p:sld>
 </file>
 
-<file path=ppt/slides/slide13.xml><?xml version="1.0" encoding="utf-8"?>
+<file path=ppt/slides/slide21.xml><?xml version="1.0" encoding="utf-8"?>
 <p:sld xmlns:a="http://schemas.openxmlformats.org/drawingml/2006/main" xmlns:r="http://schemas.openxmlformats.org/officeDocument/2006/relationships" xmlns:p="http://schemas.openxmlformats.org/presentationml/2006/main">
   <p:cSld>
     <p:spTree>
@@ -3503,10 +4493,17 @@
   <p:clrMapOvr>
     <a:masterClrMapping/>
   </p:clrMapOvr>
+  <p:timing>
+    <p:tnLst>
+      <p:par>
+        <p:cTn id="1" dur="indefinite" restart="never" nodeType="tmRoot"/>
+      </p:par>
+    </p:tnLst>
+  </p:timing>
 </p:sld>
 </file>
 
-<file path=ppt/slides/slide14.xml><?xml version="1.0" encoding="utf-8"?>
+<file path=ppt/slides/slide22.xml><?xml version="1.0" encoding="utf-8"?>
 <p:sld xmlns:a="http://schemas.openxmlformats.org/drawingml/2006/main" xmlns:r="http://schemas.openxmlformats.org/officeDocument/2006/relationships" xmlns:p="http://schemas.openxmlformats.org/presentationml/2006/main">
   <p:cSld>
     <p:spTree>
@@ -3616,10 +4613,17 @@
   <p:clrMapOvr>
     <a:masterClrMapping/>
   </p:clrMapOvr>
+  <p:timing>
+    <p:tnLst>
+      <p:par>
+        <p:cTn id="1" dur="indefinite" restart="never" nodeType="tmRoot"/>
+      </p:par>
+    </p:tnLst>
+  </p:timing>
 </p:sld>
 </file>
 
-<file path=ppt/slides/slide15.xml><?xml version="1.0" encoding="utf-8"?>
+<file path=ppt/slides/slide23.xml><?xml version="1.0" encoding="utf-8"?>
 <p:sld xmlns:a="http://schemas.openxmlformats.org/drawingml/2006/main" xmlns:r="http://schemas.openxmlformats.org/officeDocument/2006/relationships" xmlns:p="http://schemas.openxmlformats.org/presentationml/2006/main">
   <p:cSld>
     <p:spTree>
@@ -3651,63 +4655,79 @@
           <a:bodyPr/>
           <a:lstStyle/>
           <a:p>
-            <a:r>
-              <a:rPr lang="en-US" dirty="0" smtClean="0"/>
-              <a:t>Features</a:t>
+            <a:endParaRPr lang="en-US"/>
+          </a:p>
+        </p:txBody>
+      </p:sp>
+      <p:pic>
+        <p:nvPicPr>
+          <p:cNvPr id="4" name="Content Placeholder 3" descr="download.png"/>
+          <p:cNvPicPr>
+            <a:picLocks noGrp="1" noChangeAspect="1"/>
+          </p:cNvPicPr>
+          <p:nvPr>
+            <p:ph idx="1"/>
+          </p:nvPr>
+        </p:nvPicPr>
+        <p:blipFill>
+          <a:blip r:embed="rId2"/>
+          <a:stretch>
+            <a:fillRect/>
+          </a:stretch>
+        </p:blipFill>
+        <p:spPr>
+          <a:xfrm>
+            <a:off x="3482996" y="331360"/>
+            <a:ext cx="3921414" cy="5375677"/>
+          </a:xfrm>
+        </p:spPr>
+      </p:pic>
+      <p:sp>
+        <p:nvSpPr>
+          <p:cNvPr id="5" name="TextBox 4"/>
+          <p:cNvSpPr txBox="1"/>
+          <p:nvPr/>
+        </p:nvSpPr>
+        <p:spPr>
+          <a:xfrm>
+            <a:off x="4661210" y="6200078"/>
+            <a:ext cx="1768882" cy="369332"/>
+          </a:xfrm>
+          <a:prstGeom prst="rect">
+            <a:avLst/>
+          </a:prstGeom>
+          <a:noFill/>
+        </p:spPr>
+        <p:txBody>
+          <a:bodyPr wrap="none" rtlCol="0">
+            <a:spAutoFit/>
+          </a:bodyPr>
+          <a:lstStyle/>
+          <a:p>
+            <a:r>
+              <a:rPr lang="en-US" dirty="0" smtClean="0"/>
+              <a:t>Fig: Result image</a:t>
             </a:r>
             <a:endParaRPr lang="en-US" dirty="0"/>
           </a:p>
         </p:txBody>
       </p:sp>
-      <p:sp>
-        <p:nvSpPr>
-          <p:cNvPr id="3" name="Content Placeholder 2"/>
-          <p:cNvSpPr>
-            <a:spLocks noGrp="1"/>
-          </p:cNvSpPr>
-          <p:nvPr>
-            <p:ph idx="1"/>
-          </p:nvPr>
-        </p:nvSpPr>
-        <p:spPr/>
-        <p:txBody>
-          <a:bodyPr/>
-          <a:lstStyle/>
-          <a:p>
-            <a:r>
-              <a:rPr lang="en-US" dirty="0" smtClean="0"/>
-              <a:t>Can be used in online learning system</a:t>
-            </a:r>
-          </a:p>
-          <a:p>
-            <a:r>
-              <a:rPr lang="en-US" dirty="0" smtClean="0"/>
-              <a:t>Easy to integrate</a:t>
-            </a:r>
-          </a:p>
-          <a:p>
-            <a:r>
-              <a:rPr lang="en-US" dirty="0" smtClean="0"/>
-              <a:t>It is possible to automate the learning system</a:t>
-            </a:r>
-            <a:endParaRPr lang="en-US" dirty="0"/>
-          </a:p>
-        </p:txBody>
-      </p:sp>
     </p:spTree>
-    <p:extLst>
-      <p:ext uri="{BB962C8B-B14F-4D97-AF65-F5344CB8AC3E}">
-        <p14:creationId xmlns:p14="http://schemas.microsoft.com/office/powerpoint/2010/main" xmlns="" val="3222681847"/>
-      </p:ext>
-    </p:extLst>
   </p:cSld>
   <p:clrMapOvr>
     <a:masterClrMapping/>
   </p:clrMapOvr>
+  <p:timing>
+    <p:tnLst>
+      <p:par>
+        <p:cTn id="1" dur="indefinite" restart="never" nodeType="tmRoot"/>
+      </p:par>
+    </p:tnLst>
+  </p:timing>
 </p:sld>
 </file>
 
-<file path=ppt/slides/slide16.xml><?xml version="1.0" encoding="utf-8"?>
+<file path=ppt/slides/slide24.xml><?xml version="1.0" encoding="utf-8"?>
 <p:sld xmlns:a="http://schemas.openxmlformats.org/drawingml/2006/main" xmlns:r="http://schemas.openxmlformats.org/officeDocument/2006/relationships" xmlns:p="http://schemas.openxmlformats.org/presentationml/2006/main">
   <p:cSld>
     <p:spTree>
@@ -3741,7 +4761,7 @@
           <a:p>
             <a:r>
               <a:rPr lang="en-US" dirty="0" smtClean="0"/>
-              <a:t>Merits of the System</a:t>
+              <a:t>Features</a:t>
             </a:r>
             <a:endParaRPr lang="en-US" dirty="0"/>
           </a:p>
@@ -3764,19 +4784,19 @@
           <a:p>
             <a:r>
               <a:rPr lang="en-US" dirty="0" smtClean="0"/>
-              <a:t>Detect facial key points with high accuracy</a:t>
-            </a:r>
-          </a:p>
-          <a:p>
-            <a:r>
-              <a:rPr lang="en-US" dirty="0" smtClean="0"/>
-              <a:t>Easy to use in time series problem</a:t>
-            </a:r>
-          </a:p>
-          <a:p>
-            <a:r>
-              <a:rPr lang="en-US" dirty="0" smtClean="0"/>
-              <a:t>Low false positive rate</a:t>
+              <a:t>Can be used in online learning system</a:t>
+            </a:r>
+          </a:p>
+          <a:p>
+            <a:r>
+              <a:rPr lang="en-US" dirty="0" smtClean="0"/>
+              <a:t>Easy to integrate</a:t>
+            </a:r>
+          </a:p>
+          <a:p>
+            <a:r>
+              <a:rPr lang="en-US" dirty="0" smtClean="0"/>
+              <a:t>It is possible to automate the learning system</a:t>
             </a:r>
             <a:endParaRPr lang="en-US" dirty="0"/>
           </a:p>
@@ -3785,17 +4805,24 @@
     </p:spTree>
     <p:extLst>
       <p:ext uri="{BB962C8B-B14F-4D97-AF65-F5344CB8AC3E}">
-        <p14:creationId xmlns:p14="http://schemas.microsoft.com/office/powerpoint/2010/main" xmlns="" val="3097113009"/>
+        <p14:creationId xmlns:p14="http://schemas.microsoft.com/office/powerpoint/2010/main" xmlns="" val="3222681847"/>
       </p:ext>
     </p:extLst>
   </p:cSld>
   <p:clrMapOvr>
     <a:masterClrMapping/>
   </p:clrMapOvr>
+  <p:timing>
+    <p:tnLst>
+      <p:par>
+        <p:cTn id="1" dur="indefinite" restart="never" nodeType="tmRoot"/>
+      </p:par>
+    </p:tnLst>
+  </p:timing>
 </p:sld>
 </file>
 
-<file path=ppt/slides/slide17.xml><?xml version="1.0" encoding="utf-8"?>
+<file path=ppt/slides/slide25.xml><?xml version="1.0" encoding="utf-8"?>
 <p:sld xmlns:a="http://schemas.openxmlformats.org/drawingml/2006/main" xmlns:r="http://schemas.openxmlformats.org/officeDocument/2006/relationships" xmlns:p="http://schemas.openxmlformats.org/presentationml/2006/main">
   <p:cSld>
     <p:spTree>
@@ -3829,15 +4856,7 @@
           <a:p>
             <a:r>
               <a:rPr lang="en-US" dirty="0" smtClean="0"/>
-              <a:t>Required </a:t>
-            </a:r>
-            <a:r>
-              <a:rPr lang="en-US" dirty="0"/>
-              <a:t>Hardware </a:t>
-            </a:r>
-            <a:r>
-              <a:rPr lang="en-US" dirty="0" smtClean="0"/>
-              <a:t>Tools</a:t>
+              <a:t>Merits of the System</a:t>
             </a:r>
             <a:endParaRPr lang="en-US" dirty="0"/>
           </a:p>
@@ -3858,42 +4877,21 @@
           <a:bodyPr/>
           <a:lstStyle/>
           <a:p>
-            <a:pPr lvl="0"/>
-            <a:r>
-              <a:rPr lang="en-US" dirty="0" smtClean="0"/>
-              <a:t>CPU: Core i7 at least 3.0 GHz and quad core</a:t>
-            </a:r>
-            <a:endParaRPr lang="en-US" dirty="0"/>
-          </a:p>
-          <a:p>
-            <a:pPr lvl="0"/>
-            <a:r>
-              <a:rPr lang="en-US" dirty="0" smtClean="0"/>
-              <a:t>RAM: 16 GB</a:t>
-            </a:r>
-            <a:endParaRPr lang="en-US" dirty="0"/>
-          </a:p>
-          <a:p>
-            <a:pPr lvl="0"/>
-            <a:r>
-              <a:rPr lang="en-US" dirty="0" smtClean="0"/>
-              <a:t>GPU: </a:t>
-            </a:r>
-            <a:r>
-              <a:rPr lang="en-US" dirty="0" err="1" smtClean="0"/>
-              <a:t>Nvidia</a:t>
-            </a:r>
-            <a:r>
-              <a:rPr lang="en-US" dirty="0" smtClean="0"/>
-              <a:t> graphics at least 3 GB</a:t>
-            </a:r>
-            <a:endParaRPr lang="en-US" dirty="0"/>
-          </a:p>
-          <a:p>
-            <a:pPr lvl="0"/>
-            <a:r>
-              <a:rPr lang="en-US" dirty="0" smtClean="0"/>
-              <a:t>Auxiliary Storage: 512 GB SSD with 1 TB HDD</a:t>
+            <a:r>
+              <a:rPr lang="en-US" dirty="0" smtClean="0"/>
+              <a:t>Detect facial key points with high accuracy</a:t>
+            </a:r>
+          </a:p>
+          <a:p>
+            <a:r>
+              <a:rPr lang="en-US" dirty="0" smtClean="0"/>
+              <a:t>Easy to use in time series problem</a:t>
+            </a:r>
+          </a:p>
+          <a:p>
+            <a:r>
+              <a:rPr lang="en-US" dirty="0" smtClean="0"/>
+              <a:t>Low false positive rate</a:t>
             </a:r>
             <a:endParaRPr lang="en-US" dirty="0"/>
           </a:p>
@@ -3902,17 +4900,24 @@
     </p:spTree>
     <p:extLst>
       <p:ext uri="{BB962C8B-B14F-4D97-AF65-F5344CB8AC3E}">
-        <p14:creationId xmlns:p14="http://schemas.microsoft.com/office/powerpoint/2010/main" xmlns="" val="1841082748"/>
+        <p14:creationId xmlns:p14="http://schemas.microsoft.com/office/powerpoint/2010/main" xmlns="" val="3097113009"/>
       </p:ext>
     </p:extLst>
   </p:cSld>
   <p:clrMapOvr>
     <a:masterClrMapping/>
   </p:clrMapOvr>
+  <p:timing>
+    <p:tnLst>
+      <p:par>
+        <p:cTn id="1" dur="indefinite" restart="never" nodeType="tmRoot"/>
+      </p:par>
+    </p:tnLst>
+  </p:timing>
 </p:sld>
 </file>
 
-<file path=ppt/slides/slide18.xml><?xml version="1.0" encoding="utf-8"?>
+<file path=ppt/slides/slide26.xml><?xml version="1.0" encoding="utf-8"?>
 <p:sld xmlns:a="http://schemas.openxmlformats.org/drawingml/2006/main" xmlns:r="http://schemas.openxmlformats.org/officeDocument/2006/relationships" xmlns:p="http://schemas.openxmlformats.org/presentationml/2006/main">
   <p:cSld>
     <p:spTree>
@@ -3950,7 +4955,7 @@
             </a:r>
             <a:r>
               <a:rPr lang="en-US" dirty="0"/>
-              <a:t>Software </a:t>
+              <a:t>Hardware </a:t>
             </a:r>
             <a:r>
               <a:rPr lang="en-US" dirty="0" smtClean="0"/>
@@ -3977,61 +4982,40 @@
           <a:p>
             <a:pPr lvl="0"/>
             <a:r>
-              <a:rPr lang="en-US" dirty="0"/>
-              <a:t>Python 3.5</a:t>
-            </a:r>
+              <a:rPr lang="en-US" dirty="0" smtClean="0"/>
+              <a:t>CPU: Core i7 at least 3.0 GHz and quad core</a:t>
+            </a:r>
+            <a:endParaRPr lang="en-US" dirty="0"/>
           </a:p>
           <a:p>
             <a:pPr lvl="0"/>
             <a:r>
-              <a:rPr lang="en-US" dirty="0"/>
-              <a:t>IDE</a:t>
-            </a:r>
+              <a:rPr lang="en-US" dirty="0" smtClean="0"/>
+              <a:t>RAM: 16 GB</a:t>
+            </a:r>
+            <a:endParaRPr lang="en-US" dirty="0"/>
           </a:p>
           <a:p>
             <a:pPr lvl="0"/>
             <a:r>
-              <a:rPr lang="en-US" dirty="0" err="1"/>
-              <a:t>Numpy</a:t>
+              <a:rPr lang="en-US" dirty="0" smtClean="0"/>
+              <a:t>GPU: </a:t>
+            </a:r>
+            <a:r>
+              <a:rPr lang="en-US" dirty="0" err="1" smtClean="0"/>
+              <a:t>Nvidia</a:t>
+            </a:r>
+            <a:r>
+              <a:rPr lang="en-US" dirty="0" smtClean="0"/>
+              <a:t> graphics at least 3 GB</a:t>
             </a:r>
             <a:endParaRPr lang="en-US" dirty="0"/>
           </a:p>
           <a:p>
             <a:pPr lvl="0"/>
             <a:r>
-              <a:rPr lang="en-US" dirty="0" err="1"/>
-              <a:t>Matplotlib</a:t>
-            </a:r>
-            <a:endParaRPr lang="en-US" dirty="0"/>
-          </a:p>
-          <a:p>
-            <a:pPr lvl="0"/>
-            <a:r>
-              <a:rPr lang="en-US" dirty="0"/>
-              <a:t>Pandas</a:t>
-            </a:r>
-          </a:p>
-          <a:p>
-            <a:pPr lvl="0"/>
-            <a:r>
-              <a:rPr lang="en-US" dirty="0" err="1"/>
-              <a:t>Seaborn</a:t>
-            </a:r>
-            <a:endParaRPr lang="en-US" dirty="0"/>
-          </a:p>
-          <a:p>
-            <a:pPr lvl="0"/>
-            <a:r>
-              <a:rPr lang="en-US" dirty="0" err="1"/>
-              <a:t>Tensorflow</a:t>
-            </a:r>
-            <a:endParaRPr lang="en-US" dirty="0"/>
-          </a:p>
-          <a:p>
-            <a:pPr lvl="0"/>
-            <a:r>
-              <a:rPr lang="en-US" dirty="0" err="1"/>
-              <a:t>Keras</a:t>
+              <a:rPr lang="en-US" dirty="0" smtClean="0"/>
+              <a:t>Auxiliary Storage: 512 GB SSD with 1 TB HDD</a:t>
             </a:r>
             <a:endParaRPr lang="en-US" dirty="0"/>
           </a:p>
@@ -4040,17 +5024,24 @@
     </p:spTree>
     <p:extLst>
       <p:ext uri="{BB962C8B-B14F-4D97-AF65-F5344CB8AC3E}">
-        <p14:creationId xmlns:p14="http://schemas.microsoft.com/office/powerpoint/2010/main" xmlns="" val="2497703504"/>
+        <p14:creationId xmlns:p14="http://schemas.microsoft.com/office/powerpoint/2010/main" xmlns="" val="1841082748"/>
       </p:ext>
     </p:extLst>
   </p:cSld>
   <p:clrMapOvr>
     <a:masterClrMapping/>
   </p:clrMapOvr>
+  <p:timing>
+    <p:tnLst>
+      <p:par>
+        <p:cTn id="1" dur="indefinite" restart="never" nodeType="tmRoot"/>
+      </p:par>
+    </p:tnLst>
+  </p:timing>
 </p:sld>
 </file>
 
-<file path=ppt/slides/slide19.xml><?xml version="1.0" encoding="utf-8"?>
+<file path=ppt/slides/slide27.xml><?xml version="1.0" encoding="utf-8"?>
 <p:sld xmlns:a="http://schemas.openxmlformats.org/drawingml/2006/main" xmlns:r="http://schemas.openxmlformats.org/officeDocument/2006/relationships" xmlns:p="http://schemas.openxmlformats.org/presentationml/2006/main">
   <p:cSld>
     <p:spTree>
@@ -4084,7 +5075,15 @@
           <a:p>
             <a:r>
               <a:rPr lang="en-US" dirty="0" smtClean="0"/>
-              <a:t> </a:t>
+              <a:t>Required </a:t>
+            </a:r>
+            <a:r>
+              <a:rPr lang="en-US" dirty="0"/>
+              <a:t>Software </a:t>
+            </a:r>
+            <a:r>
+              <a:rPr lang="en-US" dirty="0" smtClean="0"/>
+              <a:t>Tools</a:t>
             </a:r>
             <a:endParaRPr lang="en-US" dirty="0"/>
           </a:p>
@@ -4102,42 +5101,92 @@
         </p:nvSpPr>
         <p:spPr/>
         <p:txBody>
-          <a:bodyPr>
-            <a:normAutofit/>
-          </a:bodyPr>
-          <a:lstStyle/>
-          <a:p>
-            <a:pPr marL="0" indent="0" algn="ctr">
-              <a:buNone/>
-            </a:pPr>
-            <a:endParaRPr lang="en-US" sz="9600" dirty="0" smtClean="0"/>
-          </a:p>
-          <a:p>
-            <a:pPr marL="0" indent="0" algn="ctr">
-              <a:buNone/>
-            </a:pPr>
-            <a:r>
-              <a:rPr lang="en-US" sz="9600" dirty="0" smtClean="0"/>
-              <a:t>Thank you</a:t>
-            </a:r>
-            <a:endParaRPr lang="en-US" sz="9600" dirty="0"/>
+          <a:bodyPr/>
+          <a:lstStyle/>
+          <a:p>
+            <a:pPr lvl="0"/>
+            <a:r>
+              <a:rPr lang="en-US" dirty="0"/>
+              <a:t>Python 3.5</a:t>
+            </a:r>
+          </a:p>
+          <a:p>
+            <a:pPr lvl="0"/>
+            <a:r>
+              <a:rPr lang="en-US" dirty="0"/>
+              <a:t>IDE</a:t>
+            </a:r>
+          </a:p>
+          <a:p>
+            <a:pPr lvl="0"/>
+            <a:r>
+              <a:rPr lang="en-US" dirty="0" err="1"/>
+              <a:t>Numpy</a:t>
+            </a:r>
+            <a:endParaRPr lang="en-US" dirty="0"/>
+          </a:p>
+          <a:p>
+            <a:pPr lvl="0"/>
+            <a:r>
+              <a:rPr lang="en-US" dirty="0" err="1"/>
+              <a:t>Matplotlib</a:t>
+            </a:r>
+            <a:endParaRPr lang="en-US" dirty="0"/>
+          </a:p>
+          <a:p>
+            <a:pPr lvl="0"/>
+            <a:r>
+              <a:rPr lang="en-US" dirty="0"/>
+              <a:t>Pandas</a:t>
+            </a:r>
+          </a:p>
+          <a:p>
+            <a:pPr lvl="0"/>
+            <a:r>
+              <a:rPr lang="en-US" dirty="0" err="1"/>
+              <a:t>Seaborn</a:t>
+            </a:r>
+            <a:endParaRPr lang="en-US" dirty="0"/>
+          </a:p>
+          <a:p>
+            <a:pPr lvl="0"/>
+            <a:r>
+              <a:rPr lang="en-US" dirty="0" err="1"/>
+              <a:t>Tensorflow</a:t>
+            </a:r>
+            <a:endParaRPr lang="en-US" dirty="0"/>
+          </a:p>
+          <a:p>
+            <a:pPr lvl="0"/>
+            <a:r>
+              <a:rPr lang="en-US" dirty="0" err="1"/>
+              <a:t>Keras</a:t>
+            </a:r>
+            <a:endParaRPr lang="en-US" dirty="0"/>
           </a:p>
         </p:txBody>
       </p:sp>
     </p:spTree>
     <p:extLst>
       <p:ext uri="{BB962C8B-B14F-4D97-AF65-F5344CB8AC3E}">
-        <p14:creationId xmlns:p14="http://schemas.microsoft.com/office/powerpoint/2010/main" xmlns="" val="2407555941"/>
+        <p14:creationId xmlns:p14="http://schemas.microsoft.com/office/powerpoint/2010/main" xmlns="" val="2497703504"/>
       </p:ext>
     </p:extLst>
   </p:cSld>
   <p:clrMapOvr>
     <a:masterClrMapping/>
   </p:clrMapOvr>
+  <p:timing>
+    <p:tnLst>
+      <p:par>
+        <p:cTn id="1" dur="indefinite" restart="never" nodeType="tmRoot"/>
+      </p:par>
+    </p:tnLst>
+  </p:timing>
 </p:sld>
 </file>
 
-<file path=ppt/slides/slide2.xml><?xml version="1.0" encoding="utf-8"?>
+<file path=ppt/slides/slide28.xml><?xml version="1.0" encoding="utf-8"?>
 <p:sld xmlns:a="http://schemas.openxmlformats.org/drawingml/2006/main" xmlns:r="http://schemas.openxmlformats.org/officeDocument/2006/relationships" xmlns:p="http://schemas.openxmlformats.org/presentationml/2006/main">
   <p:cSld>
     <p:spTree>
@@ -4171,7 +5220,7 @@
           <a:p>
             <a:r>
               <a:rPr lang="en-US" dirty="0" smtClean="0"/>
-              <a:t>Facial Key Points Detection</a:t>
+              <a:t> </a:t>
             </a:r>
             <a:endParaRPr lang="en-US" dirty="0"/>
           </a:p>
@@ -4189,55 +5238,45 @@
         </p:nvSpPr>
         <p:spPr/>
         <p:txBody>
-          <a:bodyPr/>
-          <a:lstStyle/>
-          <a:p>
-            <a:r>
-              <a:rPr lang="en-US" dirty="0"/>
-              <a:t>Facial key points detection </a:t>
-            </a:r>
-            <a:r>
-              <a:rPr lang="en-US" dirty="0" smtClean="0"/>
-              <a:t>is </a:t>
-            </a:r>
-            <a:r>
-              <a:rPr lang="en-US" dirty="0"/>
-              <a:t>a computer technology that is being applied for many different applications that require the identification of human faces in digital images or video.</a:t>
-            </a:r>
-            <a:endParaRPr lang="en-US" dirty="0" smtClean="0"/>
-          </a:p>
-          <a:p>
-            <a:r>
-              <a:rPr lang="en-US" dirty="0"/>
-              <a:t>Detecting facial key points is a very challenging </a:t>
-            </a:r>
-            <a:r>
-              <a:rPr lang="en-US" dirty="0" smtClean="0"/>
-              <a:t>problem.</a:t>
-            </a:r>
-          </a:p>
-          <a:p>
-            <a:r>
-              <a:rPr lang="en-US" dirty="0" smtClean="0"/>
-              <a:t>Due </a:t>
-            </a:r>
-            <a:r>
-              <a:rPr lang="en-US" dirty="0"/>
-              <a:t>to 3D pose, size, position, viewing angle, and illumination conditions.</a:t>
-            </a:r>
+          <a:bodyPr>
+            <a:normAutofit/>
+          </a:bodyPr>
+          <a:lstStyle/>
+          <a:p>
+            <a:pPr marL="0" indent="0" algn="ctr">
+              <a:buNone/>
+            </a:pPr>
+            <a:endParaRPr lang="en-US" sz="9600" dirty="0" smtClean="0"/>
+          </a:p>
+          <a:p>
+            <a:pPr marL="0" indent="0" algn="ctr">
+              <a:buNone/>
+            </a:pPr>
+            <a:r>
+              <a:rPr lang="en-US" sz="9600" dirty="0" smtClean="0"/>
+              <a:t>Thank you</a:t>
+            </a:r>
+            <a:endParaRPr lang="en-US" sz="9600" dirty="0"/>
           </a:p>
         </p:txBody>
       </p:sp>
     </p:spTree>
     <p:extLst>
       <p:ext uri="{BB962C8B-B14F-4D97-AF65-F5344CB8AC3E}">
-        <p14:creationId xmlns:p14="http://schemas.microsoft.com/office/powerpoint/2010/main" xmlns="" val="954628718"/>
+        <p14:creationId xmlns:p14="http://schemas.microsoft.com/office/powerpoint/2010/main" xmlns="" val="2407555941"/>
       </p:ext>
     </p:extLst>
   </p:cSld>
   <p:clrMapOvr>
     <a:masterClrMapping/>
   </p:clrMapOvr>
+  <p:timing>
+    <p:tnLst>
+      <p:par>
+        <p:cTn id="1" dur="indefinite" restart="never" nodeType="tmRoot"/>
+      </p:par>
+    </p:tnLst>
+  </p:timing>
 </p:sld>
 </file>
 
@@ -4335,6 +5374,13 @@
   <p:clrMapOvr>
     <a:masterClrMapping/>
   </p:clrMapOvr>
+  <p:timing>
+    <p:tnLst>
+      <p:par>
+        <p:cTn id="1" dur="indefinite" restart="never" nodeType="tmRoot"/>
+      </p:par>
+    </p:tnLst>
+  </p:timing>
 </p:sld>
 </file>
 
@@ -4451,6 +5497,13 @@
   <p:clrMapOvr>
     <a:masterClrMapping/>
   </p:clrMapOvr>
+  <p:timing>
+    <p:tnLst>
+      <p:par>
+        <p:cTn id="1" dur="indefinite" restart="never" nodeType="tmRoot"/>
+      </p:par>
+    </p:tnLst>
+  </p:timing>
 </p:sld>
 </file>
 
@@ -4586,6 +5639,13 @@
   <p:clrMapOvr>
     <a:masterClrMapping/>
   </p:clrMapOvr>
+  <p:timing>
+    <p:tnLst>
+      <p:par>
+        <p:cTn id="1" dur="indefinite" restart="never" nodeType="tmRoot"/>
+      </p:par>
+    </p:tnLst>
+  </p:timing>
 </p:sld>
 </file>
 
@@ -4708,6 +5768,13 @@
   <p:clrMapOvr>
     <a:masterClrMapping/>
   </p:clrMapOvr>
+  <p:timing>
+    <p:tnLst>
+      <p:par>
+        <p:cTn id="1" dur="indefinite" restart="never" nodeType="tmRoot"/>
+      </p:par>
+    </p:tnLst>
+  </p:timing>
 </p:sld>
 </file>
 
@@ -4796,6 +5863,13 @@
   <p:clrMapOvr>
     <a:masterClrMapping/>
   </p:clrMapOvr>
+  <p:timing>
+    <p:tnLst>
+      <p:par>
+        <p:cTn id="1" dur="indefinite" restart="never" nodeType="tmRoot"/>
+      </p:par>
+    </p:tnLst>
+  </p:timing>
 </p:sld>
 </file>
 
@@ -4888,6 +5962,13 @@
   <p:clrMapOvr>
     <a:masterClrMapping/>
   </p:clrMapOvr>
+  <p:timing>
+    <p:tnLst>
+      <p:par>
+        <p:cTn id="1" dur="indefinite" restart="never" nodeType="tmRoot"/>
+      </p:par>
+    </p:tnLst>
+  </p:timing>
 </p:sld>
 </file>
 
@@ -4967,6 +6048,13 @@
   <p:clrMapOvr>
     <a:masterClrMapping/>
   </p:clrMapOvr>
+  <p:timing>
+    <p:tnLst>
+      <p:par>
+        <p:cTn id="1" dur="indefinite" restart="never" nodeType="tmRoot"/>
+      </p:par>
+    </p:tnLst>
+  </p:timing>
 </p:sld>
 </file>
 
